--- a/Project-Overview.pptx
+++ b/Project-Overview.pptx
@@ -13,7 +13,7 @@
     <p:sldId id="261" r:id="rId8"/>
   </p:sldIdLst>
   <p:sldSz cx="9144000" cy="6858000"/>
-  <p:notesSz cx="6797675" cy="9874250"/>
+  <p:notesSz cx="7559675" cy="10691812"/>
 </p:presentation>
 </file>
 
@@ -80,10 +80,8 @@
             <a:noAutofit/>
           </a:bodyPr>
           <a:p>
-            <a:endParaRPr b="0" lang="en-GB" sz="1400" spc="-1" strike="noStrike">
-              <a:solidFill>
-                <a:srgbClr val="000000"/>
-              </a:solidFill>
+            <a:pPr algn="ctr"/>
+            <a:endParaRPr b="0" lang="en-GB" sz="4400" spc="-1" strike="noStrike">
               <a:latin typeface="Arial"/>
             </a:endParaRPr>
           </a:p>
@@ -113,10 +111,7 @@
             <a:normAutofit/>
           </a:bodyPr>
           <a:p>
-            <a:endParaRPr b="0" lang="en-GB" sz="1400" spc="-1" strike="noStrike">
-              <a:solidFill>
-                <a:srgbClr val="000000"/>
-              </a:solidFill>
+            <a:endParaRPr b="0" lang="en-GB" sz="3200" spc="-1" strike="noStrike">
               <a:latin typeface="Arial"/>
             </a:endParaRPr>
           </a:p>
@@ -146,10 +141,7 @@
             <a:normAutofit/>
           </a:bodyPr>
           <a:p>
-            <a:endParaRPr b="0" lang="en-GB" sz="1400" spc="-1" strike="noStrike">
-              <a:solidFill>
-                <a:srgbClr val="000000"/>
-              </a:solidFill>
+            <a:endParaRPr b="0" lang="en-GB" sz="3200" spc="-1" strike="noStrike">
               <a:latin typeface="Arial"/>
             </a:endParaRPr>
           </a:p>
@@ -201,10 +193,8 @@
             <a:noAutofit/>
           </a:bodyPr>
           <a:p>
-            <a:endParaRPr b="0" lang="en-GB" sz="1400" spc="-1" strike="noStrike">
-              <a:solidFill>
-                <a:srgbClr val="000000"/>
-              </a:solidFill>
+            <a:pPr algn="ctr"/>
+            <a:endParaRPr b="0" lang="en-GB" sz="4400" spc="-1" strike="noStrike">
               <a:latin typeface="Arial"/>
             </a:endParaRPr>
           </a:p>
@@ -234,10 +224,7 @@
             <a:normAutofit/>
           </a:bodyPr>
           <a:p>
-            <a:endParaRPr b="0" lang="en-GB" sz="1400" spc="-1" strike="noStrike">
-              <a:solidFill>
-                <a:srgbClr val="000000"/>
-              </a:solidFill>
+            <a:endParaRPr b="0" lang="en-GB" sz="3200" spc="-1" strike="noStrike">
               <a:latin typeface="Arial"/>
             </a:endParaRPr>
           </a:p>
@@ -267,10 +254,7 @@
             <a:normAutofit/>
           </a:bodyPr>
           <a:p>
-            <a:endParaRPr b="0" lang="en-GB" sz="1400" spc="-1" strike="noStrike">
-              <a:solidFill>
-                <a:srgbClr val="000000"/>
-              </a:solidFill>
+            <a:endParaRPr b="0" lang="en-GB" sz="3200" spc="-1" strike="noStrike">
               <a:latin typeface="Arial"/>
             </a:endParaRPr>
           </a:p>
@@ -300,10 +284,7 @@
             <a:normAutofit/>
           </a:bodyPr>
           <a:p>
-            <a:endParaRPr b="0" lang="en-GB" sz="1400" spc="-1" strike="noStrike">
-              <a:solidFill>
-                <a:srgbClr val="000000"/>
-              </a:solidFill>
+            <a:endParaRPr b="0" lang="en-GB" sz="3200" spc="-1" strike="noStrike">
               <a:latin typeface="Arial"/>
             </a:endParaRPr>
           </a:p>
@@ -333,10 +314,7 @@
             <a:normAutofit/>
           </a:bodyPr>
           <a:p>
-            <a:endParaRPr b="0" lang="en-GB" sz="1400" spc="-1" strike="noStrike">
-              <a:solidFill>
-                <a:srgbClr val="000000"/>
-              </a:solidFill>
+            <a:endParaRPr b="0" lang="en-GB" sz="3200" spc="-1" strike="noStrike">
               <a:latin typeface="Arial"/>
             </a:endParaRPr>
           </a:p>
@@ -388,10 +366,8 @@
             <a:noAutofit/>
           </a:bodyPr>
           <a:p>
-            <a:endParaRPr b="0" lang="en-GB" sz="1400" spc="-1" strike="noStrike">
-              <a:solidFill>
-                <a:srgbClr val="000000"/>
-              </a:solidFill>
+            <a:pPr algn="ctr"/>
+            <a:endParaRPr b="0" lang="en-GB" sz="4400" spc="-1" strike="noStrike">
               <a:latin typeface="Arial"/>
             </a:endParaRPr>
           </a:p>
@@ -421,10 +397,7 @@
             <a:normAutofit/>
           </a:bodyPr>
           <a:p>
-            <a:endParaRPr b="0" lang="en-GB" sz="1400" spc="-1" strike="noStrike">
-              <a:solidFill>
-                <a:srgbClr val="000000"/>
-              </a:solidFill>
+            <a:endParaRPr b="0" lang="en-GB" sz="3200" spc="-1" strike="noStrike">
               <a:latin typeface="Arial"/>
             </a:endParaRPr>
           </a:p>
@@ -454,10 +427,7 @@
             <a:normAutofit/>
           </a:bodyPr>
           <a:p>
-            <a:endParaRPr b="0" lang="en-GB" sz="1400" spc="-1" strike="noStrike">
-              <a:solidFill>
-                <a:srgbClr val="000000"/>
-              </a:solidFill>
+            <a:endParaRPr b="0" lang="en-GB" sz="3200" spc="-1" strike="noStrike">
               <a:latin typeface="Arial"/>
             </a:endParaRPr>
           </a:p>
@@ -487,10 +457,7 @@
             <a:normAutofit/>
           </a:bodyPr>
           <a:p>
-            <a:endParaRPr b="0" lang="en-GB" sz="1400" spc="-1" strike="noStrike">
-              <a:solidFill>
-                <a:srgbClr val="000000"/>
-              </a:solidFill>
+            <a:endParaRPr b="0" lang="en-GB" sz="3200" spc="-1" strike="noStrike">
               <a:latin typeface="Arial"/>
             </a:endParaRPr>
           </a:p>
@@ -520,10 +487,7 @@
             <a:normAutofit/>
           </a:bodyPr>
           <a:p>
-            <a:endParaRPr b="0" lang="en-GB" sz="1400" spc="-1" strike="noStrike">
-              <a:solidFill>
-                <a:srgbClr val="000000"/>
-              </a:solidFill>
+            <a:endParaRPr b="0" lang="en-GB" sz="3200" spc="-1" strike="noStrike">
               <a:latin typeface="Arial"/>
             </a:endParaRPr>
           </a:p>
@@ -553,10 +517,7 @@
             <a:normAutofit/>
           </a:bodyPr>
           <a:p>
-            <a:endParaRPr b="0" lang="en-GB" sz="1400" spc="-1" strike="noStrike">
-              <a:solidFill>
-                <a:srgbClr val="000000"/>
-              </a:solidFill>
+            <a:endParaRPr b="0" lang="en-GB" sz="3200" spc="-1" strike="noStrike">
               <a:latin typeface="Arial"/>
             </a:endParaRPr>
           </a:p>
@@ -586,10 +547,7 @@
             <a:normAutofit/>
           </a:bodyPr>
           <a:p>
-            <a:endParaRPr b="0" lang="en-GB" sz="1400" spc="-1" strike="noStrike">
-              <a:solidFill>
-                <a:srgbClr val="000000"/>
-              </a:solidFill>
+            <a:endParaRPr b="0" lang="en-GB" sz="3200" spc="-1" strike="noStrike">
               <a:latin typeface="Arial"/>
             </a:endParaRPr>
           </a:p>
@@ -641,10 +599,8 @@
             <a:noAutofit/>
           </a:bodyPr>
           <a:p>
-            <a:endParaRPr b="0" lang="en-GB" sz="1400" spc="-1" strike="noStrike">
-              <a:solidFill>
-                <a:srgbClr val="000000"/>
-              </a:solidFill>
+            <a:pPr algn="ctr"/>
+            <a:endParaRPr b="0" lang="en-GB" sz="4400" spc="-1" strike="noStrike">
               <a:latin typeface="Arial"/>
             </a:endParaRPr>
           </a:p>
@@ -727,10 +683,8 @@
             <a:noAutofit/>
           </a:bodyPr>
           <a:p>
-            <a:endParaRPr b="0" lang="en-GB" sz="1400" spc="-1" strike="noStrike">
-              <a:solidFill>
-                <a:srgbClr val="000000"/>
-              </a:solidFill>
+            <a:pPr algn="ctr"/>
+            <a:endParaRPr b="0" lang="en-GB" sz="4400" spc="-1" strike="noStrike">
               <a:latin typeface="Arial"/>
             </a:endParaRPr>
           </a:p>
@@ -760,10 +714,7 @@
             <a:normAutofit/>
           </a:bodyPr>
           <a:p>
-            <a:endParaRPr b="0" lang="en-GB" sz="1400" spc="-1" strike="noStrike">
-              <a:solidFill>
-                <a:srgbClr val="000000"/>
-              </a:solidFill>
+            <a:endParaRPr b="0" lang="en-GB" sz="3200" spc="-1" strike="noStrike">
               <a:latin typeface="Arial"/>
             </a:endParaRPr>
           </a:p>
@@ -815,10 +766,8 @@
             <a:noAutofit/>
           </a:bodyPr>
           <a:p>
-            <a:endParaRPr b="0" lang="en-GB" sz="1400" spc="-1" strike="noStrike">
-              <a:solidFill>
-                <a:srgbClr val="000000"/>
-              </a:solidFill>
+            <a:pPr algn="ctr"/>
+            <a:endParaRPr b="0" lang="en-GB" sz="4400" spc="-1" strike="noStrike">
               <a:latin typeface="Arial"/>
             </a:endParaRPr>
           </a:p>
@@ -848,10 +797,7 @@
             <a:normAutofit/>
           </a:bodyPr>
           <a:p>
-            <a:endParaRPr b="0" lang="en-GB" sz="1400" spc="-1" strike="noStrike">
-              <a:solidFill>
-                <a:srgbClr val="000000"/>
-              </a:solidFill>
+            <a:endParaRPr b="0" lang="en-GB" sz="3200" spc="-1" strike="noStrike">
               <a:latin typeface="Arial"/>
             </a:endParaRPr>
           </a:p>
@@ -881,10 +827,7 @@
             <a:normAutofit/>
           </a:bodyPr>
           <a:p>
-            <a:endParaRPr b="0" lang="en-GB" sz="1400" spc="-1" strike="noStrike">
-              <a:solidFill>
-                <a:srgbClr val="000000"/>
-              </a:solidFill>
+            <a:endParaRPr b="0" lang="en-GB" sz="3200" spc="-1" strike="noStrike">
               <a:latin typeface="Arial"/>
             </a:endParaRPr>
           </a:p>
@@ -936,10 +879,8 @@
             <a:noAutofit/>
           </a:bodyPr>
           <a:p>
-            <a:endParaRPr b="0" lang="en-GB" sz="1400" spc="-1" strike="noStrike">
-              <a:solidFill>
-                <a:srgbClr val="000000"/>
-              </a:solidFill>
+            <a:pPr algn="ctr"/>
+            <a:endParaRPr b="0" lang="en-GB" sz="4400" spc="-1" strike="noStrike">
               <a:latin typeface="Arial"/>
             </a:endParaRPr>
           </a:p>
@@ -1044,10 +985,8 @@
             <a:noAutofit/>
           </a:bodyPr>
           <a:p>
-            <a:endParaRPr b="0" lang="en-GB" sz="1400" spc="-1" strike="noStrike">
-              <a:solidFill>
-                <a:srgbClr val="000000"/>
-              </a:solidFill>
+            <a:pPr algn="ctr"/>
+            <a:endParaRPr b="0" lang="en-GB" sz="4400" spc="-1" strike="noStrike">
               <a:latin typeface="Arial"/>
             </a:endParaRPr>
           </a:p>
@@ -1077,10 +1016,7 @@
             <a:normAutofit/>
           </a:bodyPr>
           <a:p>
-            <a:endParaRPr b="0" lang="en-GB" sz="1400" spc="-1" strike="noStrike">
-              <a:solidFill>
-                <a:srgbClr val="000000"/>
-              </a:solidFill>
+            <a:endParaRPr b="0" lang="en-GB" sz="3200" spc="-1" strike="noStrike">
               <a:latin typeface="Arial"/>
             </a:endParaRPr>
           </a:p>
@@ -1110,10 +1046,7 @@
             <a:normAutofit/>
           </a:bodyPr>
           <a:p>
-            <a:endParaRPr b="0" lang="en-GB" sz="1400" spc="-1" strike="noStrike">
-              <a:solidFill>
-                <a:srgbClr val="000000"/>
-              </a:solidFill>
+            <a:endParaRPr b="0" lang="en-GB" sz="3200" spc="-1" strike="noStrike">
               <a:latin typeface="Arial"/>
             </a:endParaRPr>
           </a:p>
@@ -1143,10 +1076,7 @@
             <a:normAutofit/>
           </a:bodyPr>
           <a:p>
-            <a:endParaRPr b="0" lang="en-GB" sz="1400" spc="-1" strike="noStrike">
-              <a:solidFill>
-                <a:srgbClr val="000000"/>
-              </a:solidFill>
+            <a:endParaRPr b="0" lang="en-GB" sz="3200" spc="-1" strike="noStrike">
               <a:latin typeface="Arial"/>
             </a:endParaRPr>
           </a:p>
@@ -1198,10 +1128,8 @@
             <a:noAutofit/>
           </a:bodyPr>
           <a:p>
-            <a:endParaRPr b="0" lang="en-GB" sz="1400" spc="-1" strike="noStrike">
-              <a:solidFill>
-                <a:srgbClr val="000000"/>
-              </a:solidFill>
+            <a:pPr algn="ctr"/>
+            <a:endParaRPr b="0" lang="en-GB" sz="4400" spc="-1" strike="noStrike">
               <a:latin typeface="Arial"/>
             </a:endParaRPr>
           </a:p>
@@ -1231,10 +1159,7 @@
             <a:normAutofit/>
           </a:bodyPr>
           <a:p>
-            <a:endParaRPr b="0" lang="en-GB" sz="1400" spc="-1" strike="noStrike">
-              <a:solidFill>
-                <a:srgbClr val="000000"/>
-              </a:solidFill>
+            <a:endParaRPr b="0" lang="en-GB" sz="3200" spc="-1" strike="noStrike">
               <a:latin typeface="Arial"/>
             </a:endParaRPr>
           </a:p>
@@ -1264,10 +1189,7 @@
             <a:normAutofit/>
           </a:bodyPr>
           <a:p>
-            <a:endParaRPr b="0" lang="en-GB" sz="1400" spc="-1" strike="noStrike">
-              <a:solidFill>
-                <a:srgbClr val="000000"/>
-              </a:solidFill>
+            <a:endParaRPr b="0" lang="en-GB" sz="3200" spc="-1" strike="noStrike">
               <a:latin typeface="Arial"/>
             </a:endParaRPr>
           </a:p>
@@ -1297,10 +1219,7 @@
             <a:normAutofit/>
           </a:bodyPr>
           <a:p>
-            <a:endParaRPr b="0" lang="en-GB" sz="1400" spc="-1" strike="noStrike">
-              <a:solidFill>
-                <a:srgbClr val="000000"/>
-              </a:solidFill>
+            <a:endParaRPr b="0" lang="en-GB" sz="3200" spc="-1" strike="noStrike">
               <a:latin typeface="Arial"/>
             </a:endParaRPr>
           </a:p>
@@ -1352,10 +1271,8 @@
             <a:noAutofit/>
           </a:bodyPr>
           <a:p>
-            <a:endParaRPr b="0" lang="en-GB" sz="1400" spc="-1" strike="noStrike">
-              <a:solidFill>
-                <a:srgbClr val="000000"/>
-              </a:solidFill>
+            <a:pPr algn="ctr"/>
+            <a:endParaRPr b="0" lang="en-GB" sz="4400" spc="-1" strike="noStrike">
               <a:latin typeface="Arial"/>
             </a:endParaRPr>
           </a:p>
@@ -1385,10 +1302,7 @@
             <a:normAutofit/>
           </a:bodyPr>
           <a:p>
-            <a:endParaRPr b="0" lang="en-GB" sz="1400" spc="-1" strike="noStrike">
-              <a:solidFill>
-                <a:srgbClr val="000000"/>
-              </a:solidFill>
+            <a:endParaRPr b="0" lang="en-GB" sz="3200" spc="-1" strike="noStrike">
               <a:latin typeface="Arial"/>
             </a:endParaRPr>
           </a:p>
@@ -1418,10 +1332,7 @@
             <a:normAutofit/>
           </a:bodyPr>
           <a:p>
-            <a:endParaRPr b="0" lang="en-GB" sz="1400" spc="-1" strike="noStrike">
-              <a:solidFill>
-                <a:srgbClr val="000000"/>
-              </a:solidFill>
+            <a:endParaRPr b="0" lang="en-GB" sz="3200" spc="-1" strike="noStrike">
               <a:latin typeface="Arial"/>
             </a:endParaRPr>
           </a:p>
@@ -1451,10 +1362,7 @@
             <a:normAutofit/>
           </a:bodyPr>
           <a:p>
-            <a:endParaRPr b="0" lang="en-GB" sz="1400" spc="-1" strike="noStrike">
-              <a:solidFill>
-                <a:srgbClr val="000000"/>
-              </a:solidFill>
+            <a:endParaRPr b="0" lang="en-GB" sz="3200" spc="-1" strike="noStrike">
               <a:latin typeface="Arial"/>
             </a:endParaRPr>
           </a:p>
@@ -1502,7 +1410,7 @@
         <p:spPr>
           <a:xfrm>
             <a:off x="0" y="-13680"/>
-            <a:ext cx="9143640" cy="6933960"/>
+            <a:ext cx="9143280" cy="6933600"/>
           </a:xfrm>
           <a:prstGeom prst="rect">
             <a:avLst/>
@@ -1521,7 +1429,7 @@
         <p:spPr>
           <a:xfrm>
             <a:off x="0" y="152280"/>
-            <a:ext cx="1523520" cy="1199880"/>
+            <a:ext cx="1523160" cy="1199520"/>
           </a:xfrm>
           <a:prstGeom prst="rect">
             <a:avLst/>
@@ -1540,7 +1448,7 @@
           <a:fontRef idx="minor"/>
         </p:style>
         <p:txBody>
-          <a:bodyPr>
+          <a:bodyPr lIns="90000" rIns="90000" tIns="45000" bIns="45000">
             <a:noAutofit/>
           </a:bodyPr>
           <a:p>
@@ -1598,7 +1506,7 @@
         <p:spPr>
           <a:xfrm>
             <a:off x="312840" y="152280"/>
-            <a:ext cx="868320" cy="971640"/>
+            <a:ext cx="867960" cy="971280"/>
           </a:xfrm>
           <a:prstGeom prst="rect">
             <a:avLst/>
@@ -1617,7 +1525,7 @@
         <p:spPr>
           <a:xfrm>
             <a:off x="0" y="152280"/>
-            <a:ext cx="1447560" cy="1199880"/>
+            <a:ext cx="1447200" cy="1199520"/>
           </a:xfrm>
           <a:prstGeom prst="rect">
             <a:avLst/>
@@ -1636,7 +1544,7 @@
           <a:fontRef idx="minor"/>
         </p:style>
         <p:txBody>
-          <a:bodyPr>
+          <a:bodyPr lIns="90000" rIns="90000" tIns="45000" bIns="45000">
             <a:noAutofit/>
           </a:bodyPr>
           <a:p>
@@ -1694,7 +1602,7 @@
         <p:spPr>
           <a:xfrm>
             <a:off x="179640" y="152280"/>
-            <a:ext cx="868320" cy="971640"/>
+            <a:ext cx="867960" cy="971280"/>
           </a:xfrm>
           <a:prstGeom prst="rect">
             <a:avLst/>
@@ -1717,7 +1625,7 @@
         <p:spPr>
           <a:xfrm>
             <a:off x="7530120" y="1676520"/>
-            <a:ext cx="1599840" cy="5050440"/>
+            <a:ext cx="1599480" cy="5050080"/>
           </a:xfrm>
           <a:prstGeom prst="rect">
             <a:avLst/>
@@ -1740,7 +1648,7 @@
         <p:spPr>
           <a:xfrm>
             <a:off x="1219320" y="152280"/>
-            <a:ext cx="7924320" cy="1074240"/>
+            <a:ext cx="7923960" cy="1073880"/>
           </a:xfrm>
           <a:prstGeom prst="rect">
             <a:avLst/>
@@ -1774,19 +1682,14 @@
             <a:noAutofit/>
           </a:bodyPr>
           <a:p>
-            <a:r>
-              <a:rPr b="0" lang="en-GB" sz="1400" spc="-1" strike="noStrike">
-                <a:solidFill>
-                  <a:srgbClr val="000000"/>
-                </a:solidFill>
+            <a:pPr algn="ctr"/>
+            <a:r>
+              <a:rPr b="0" lang="en-GB" sz="4400" spc="-1" strike="noStrike">
                 <a:latin typeface="Arial"/>
               </a:rPr>
               <a:t>Click to edit the title text format</a:t>
             </a:r>
-            <a:endParaRPr b="0" lang="en-GB" sz="1400" spc="-1" strike="noStrike">
-              <a:solidFill>
-                <a:srgbClr val="000000"/>
-              </a:solidFill>
+            <a:endParaRPr b="0" lang="en-GB" sz="4400" spc="-1" strike="noStrike">
               <a:latin typeface="Arial"/>
             </a:endParaRPr>
           </a:p>
@@ -1828,18 +1731,12 @@
               <a:buChar char=""/>
             </a:pPr>
             <a:r>
-              <a:rPr b="0" lang="en-GB" sz="1400" spc="-1" strike="noStrike">
-                <a:solidFill>
-                  <a:srgbClr val="000000"/>
-                </a:solidFill>
+              <a:rPr b="0" lang="en-GB" sz="3200" spc="-1" strike="noStrike">
                 <a:latin typeface="Arial"/>
               </a:rPr>
               <a:t>Click to edit the outline text format</a:t>
             </a:r>
-            <a:endParaRPr b="0" lang="en-GB" sz="1400" spc="-1" strike="noStrike">
-              <a:solidFill>
-                <a:srgbClr val="000000"/>
-              </a:solidFill>
+            <a:endParaRPr b="0" lang="en-GB" sz="3200" spc="-1" strike="noStrike">
               <a:latin typeface="Arial"/>
             </a:endParaRPr>
           </a:p>
@@ -1856,18 +1753,12 @@
               <a:buChar char=""/>
             </a:pPr>
             <a:r>
-              <a:rPr b="0" lang="en-GB" sz="1400" spc="-1" strike="noStrike">
-                <a:solidFill>
-                  <a:srgbClr val="000000"/>
-                </a:solidFill>
+              <a:rPr b="0" lang="en-GB" sz="2800" spc="-1" strike="noStrike">
                 <a:latin typeface="Arial"/>
               </a:rPr>
               <a:t>Second Outline Level</a:t>
             </a:r>
-            <a:endParaRPr b="0" lang="en-GB" sz="1400" spc="-1" strike="noStrike">
-              <a:solidFill>
-                <a:srgbClr val="000000"/>
-              </a:solidFill>
+            <a:endParaRPr b="0" lang="en-GB" sz="2800" spc="-1" strike="noStrike">
               <a:latin typeface="Arial"/>
             </a:endParaRPr>
           </a:p>
@@ -1884,18 +1775,12 @@
               <a:buChar char=""/>
             </a:pPr>
             <a:r>
-              <a:rPr b="0" lang="en-GB" sz="1400" spc="-1" strike="noStrike">
-                <a:solidFill>
-                  <a:srgbClr val="000000"/>
-                </a:solidFill>
+              <a:rPr b="0" lang="en-GB" sz="2400" spc="-1" strike="noStrike">
                 <a:latin typeface="Arial"/>
               </a:rPr>
               <a:t>Third Outline Level</a:t>
             </a:r>
-            <a:endParaRPr b="0" lang="en-GB" sz="1400" spc="-1" strike="noStrike">
-              <a:solidFill>
-                <a:srgbClr val="000000"/>
-              </a:solidFill>
+            <a:endParaRPr b="0" lang="en-GB" sz="2400" spc="-1" strike="noStrike">
               <a:latin typeface="Arial"/>
             </a:endParaRPr>
           </a:p>
@@ -1912,18 +1797,12 @@
               <a:buChar char=""/>
             </a:pPr>
             <a:r>
-              <a:rPr b="0" lang="en-GB" sz="1400" spc="-1" strike="noStrike">
-                <a:solidFill>
-                  <a:srgbClr val="000000"/>
-                </a:solidFill>
+              <a:rPr b="0" lang="en-GB" sz="2000" spc="-1" strike="noStrike">
                 <a:latin typeface="Arial"/>
               </a:rPr>
               <a:t>Fourth Outline Level</a:t>
             </a:r>
-            <a:endParaRPr b="0" lang="en-GB" sz="1400" spc="-1" strike="noStrike">
-              <a:solidFill>
-                <a:srgbClr val="000000"/>
-              </a:solidFill>
+            <a:endParaRPr b="0" lang="en-GB" sz="2000" spc="-1" strike="noStrike">
               <a:latin typeface="Arial"/>
             </a:endParaRPr>
           </a:p>
@@ -1941,17 +1820,11 @@
             </a:pPr>
             <a:r>
               <a:rPr b="0" lang="en-GB" sz="2000" spc="-1" strike="noStrike">
-                <a:solidFill>
-                  <a:srgbClr val="000000"/>
-                </a:solidFill>
                 <a:latin typeface="Arial"/>
               </a:rPr>
               <a:t>Fifth Outline Level</a:t>
             </a:r>
             <a:endParaRPr b="0" lang="en-GB" sz="2000" spc="-1" strike="noStrike">
-              <a:solidFill>
-                <a:srgbClr val="000000"/>
-              </a:solidFill>
               <a:latin typeface="Arial"/>
             </a:endParaRPr>
           </a:p>
@@ -1969,17 +1842,11 @@
             </a:pPr>
             <a:r>
               <a:rPr b="0" lang="en-GB" sz="2000" spc="-1" strike="noStrike">
-                <a:solidFill>
-                  <a:srgbClr val="000000"/>
-                </a:solidFill>
                 <a:latin typeface="Arial"/>
               </a:rPr>
               <a:t>Sixth Outline Level</a:t>
             </a:r>
             <a:endParaRPr b="0" lang="en-GB" sz="2000" spc="-1" strike="noStrike">
-              <a:solidFill>
-                <a:srgbClr val="000000"/>
-              </a:solidFill>
               <a:latin typeface="Arial"/>
             </a:endParaRPr>
           </a:p>
@@ -1997,17 +1864,11 @@
             </a:pPr>
             <a:r>
               <a:rPr b="0" lang="en-GB" sz="2000" spc="-1" strike="noStrike">
-                <a:solidFill>
-                  <a:srgbClr val="000000"/>
-                </a:solidFill>
                 <a:latin typeface="Arial"/>
               </a:rPr>
               <a:t>Seventh Outline Level</a:t>
             </a:r>
             <a:endParaRPr b="0" lang="en-GB" sz="2000" spc="-1" strike="noStrike">
-              <a:solidFill>
-                <a:srgbClr val="000000"/>
-              </a:solidFill>
               <a:latin typeface="Arial"/>
             </a:endParaRPr>
           </a:p>
@@ -2059,7 +1920,7 @@
         <p:spPr>
           <a:xfrm>
             <a:off x="421560" y="1540080"/>
-            <a:ext cx="8300520" cy="1323000"/>
+            <a:ext cx="8300160" cy="1322640"/>
           </a:xfrm>
           <a:prstGeom prst="rect">
             <a:avLst/>
@@ -2076,7 +1937,7 @@
           <a:fontRef idx="minor"/>
         </p:style>
         <p:txBody>
-          <a:bodyPr>
+          <a:bodyPr lIns="90000" rIns="90000" tIns="45000" bIns="45000">
             <a:noAutofit/>
           </a:bodyPr>
           <a:p>
@@ -2170,7 +2031,7 @@
         <p:spPr>
           <a:xfrm>
             <a:off x="411480" y="4719240"/>
-            <a:ext cx="8457840" cy="1371600"/>
+            <a:ext cx="8457480" cy="1371240"/>
           </a:xfrm>
           <a:prstGeom prst="rect">
             <a:avLst/>
@@ -2187,7 +2048,7 @@
           <a:fontRef idx="minor"/>
         </p:style>
         <p:txBody>
-          <a:bodyPr>
+          <a:bodyPr lIns="90000" rIns="90000" tIns="45000" bIns="45000">
             <a:noAutofit/>
           </a:bodyPr>
           <a:p>
@@ -2451,7 +2312,7 @@
         <p:spPr>
           <a:xfrm>
             <a:off x="1523880" y="1581120"/>
-            <a:ext cx="7619760" cy="36000"/>
+            <a:ext cx="7619400" cy="35640"/>
           </a:xfrm>
           <a:prstGeom prst="rect">
             <a:avLst/>
@@ -2479,7 +2340,7 @@
         <p:spPr>
           <a:xfrm>
             <a:off x="2666880" y="1143000"/>
-            <a:ext cx="6476760" cy="461160"/>
+            <a:ext cx="6476400" cy="460800"/>
           </a:xfrm>
           <a:prstGeom prst="rect">
             <a:avLst/>
@@ -2496,11 +2357,11 @@
           <a:fontRef idx="minor"/>
         </p:style>
         <p:txBody>
-          <a:bodyPr>
+          <a:bodyPr lIns="90000" rIns="90000" tIns="45000" bIns="45000">
             <a:noAutofit/>
           </a:bodyPr>
           <a:p>
-            <a:pPr marL="343080" indent="-342720" algn="r">
+            <a:pPr marL="343080" indent="-342360" algn="r">
               <a:lnSpc>
                 <a:spcPct val="100000"/>
               </a:lnSpc>
@@ -2523,14 +2384,14 @@
       </p:sp>
       <p:sp>
         <p:nvSpPr>
-          <p:cNvPr id="49" name="TextShape 3"/>
-          <p:cNvSpPr txBox="1"/>
+          <p:cNvPr id="49" name="CustomShape 3"/>
+          <p:cNvSpPr/>
           <p:nvPr/>
         </p:nvSpPr>
         <p:spPr>
           <a:xfrm>
             <a:off x="576000" y="2088000"/>
-            <a:ext cx="6408000" cy="3929760"/>
+            <a:ext cx="6407640" cy="3929400"/>
           </a:xfrm>
           <a:prstGeom prst="rect">
             <a:avLst/>
@@ -2540,53 +2401,80 @@
             <a:noFill/>
           </a:ln>
         </p:spPr>
+        <p:style>
+          <a:lnRef idx="0"/>
+          <a:fillRef idx="0"/>
+          <a:effectRef idx="0"/>
+          <a:fontRef idx="minor"/>
+        </p:style>
         <p:txBody>
           <a:bodyPr lIns="90000" rIns="90000" tIns="45000" bIns="45000">
             <a:noAutofit/>
           </a:bodyPr>
           <a:p>
+            <a:pPr>
+              <a:lnSpc>
+                <a:spcPct val="100000"/>
+              </a:lnSpc>
+            </a:pPr>
             <a:r>
               <a:rPr b="0" lang="en-GB" sz="1800" spc="-1" strike="noStrike">
                 <a:latin typeface="Arial"/>
                 <a:ea typeface="PingFang SC"/>
               </a:rPr>
-              <a:t>MediaBuff is an attempt at building a fully </a:t>
-            </a:r>
+              <a:t>MediaBuff is an attempt at building a fully functional full-stack website. In simple terms it is a website for a repository/database of movies and a collection of news from different domains.</a:t>
+            </a:r>
+            <a:endParaRPr b="0" lang="en-GB" sz="1800" spc="-1" strike="noStrike">
+              <a:latin typeface="Arial"/>
+            </a:endParaRPr>
+          </a:p>
+          <a:p>
+            <a:pPr>
+              <a:lnSpc>
+                <a:spcPct val="100000"/>
+              </a:lnSpc>
+            </a:pPr>
+            <a:endParaRPr b="0" lang="en-GB" sz="1800" spc="-1" strike="noStrike">
+              <a:latin typeface="Arial"/>
+            </a:endParaRPr>
+          </a:p>
+          <a:p>
+            <a:pPr>
+              <a:lnSpc>
+                <a:spcPct val="100000"/>
+              </a:lnSpc>
+            </a:pPr>
             <a:r>
               <a:rPr b="0" lang="en-GB" sz="1800" spc="-1" strike="noStrike">
                 <a:latin typeface="Arial"/>
-              </a:rPr>
-              <a:t>functional full-stack website. In simple terms it is a website for a repository/database of movies and a collection of news from different domains.</a:t>
+                <a:ea typeface="PingFang SC"/>
+              </a:rPr>
+              <a:t>Any user , once logged in , based on their input will receive a list of recommendation of movies that they might like and are also free to browse through the news articles from different domains like movies , tv series , celebrity news etc. </a:t>
             </a:r>
             <a:endParaRPr b="0" lang="en-GB" sz="1800" spc="-1" strike="noStrike">
               <a:latin typeface="Arial"/>
             </a:endParaRPr>
           </a:p>
           <a:p>
+            <a:pPr>
+              <a:lnSpc>
+                <a:spcPct val="100000"/>
+              </a:lnSpc>
+            </a:pPr>
             <a:endParaRPr b="0" lang="en-GB" sz="1800" spc="-1" strike="noStrike">
               <a:latin typeface="Arial"/>
             </a:endParaRPr>
           </a:p>
           <a:p>
+            <a:pPr>
+              <a:lnSpc>
+                <a:spcPct val="100000"/>
+              </a:lnSpc>
+            </a:pPr>
             <a:r>
               <a:rPr b="0" lang="en-GB" sz="1800" spc="-1" strike="noStrike">
                 <a:latin typeface="Arial"/>
-              </a:rPr>
-              <a:t>Any user , once logged in , based on their input will receive a list of recommendation of movies that they might like and are also free to browse through the news articles from different domains like movies , tv series , celebrity news etc. </a:t>
-            </a:r>
-            <a:endParaRPr b="0" lang="en-GB" sz="1800" spc="-1" strike="noStrike">
-              <a:latin typeface="Arial"/>
-            </a:endParaRPr>
-          </a:p>
-          <a:p>
-            <a:endParaRPr b="0" lang="en-GB" sz="1800" spc="-1" strike="noStrike">
-              <a:latin typeface="Arial"/>
-            </a:endParaRPr>
-          </a:p>
-          <a:p>
-            <a:r>
-              <a:rPr b="0" lang="en-GB" sz="1800" spc="-1" strike="noStrike">
-                <a:latin typeface="Arial"/>
+                <a:ea typeface="PingFang SC"/>
               </a:rPr>
               <a:t>This project primarily focuses more on using asynchronous techniques to make the website more responsive and dynamic while saving bandwidth on the side. It is more backend functionality enhancement oriented than what meets the eye with the frontend. </a:t>
             </a:r>
@@ -2635,7 +2523,7 @@
         <p:spPr>
           <a:xfrm>
             <a:off x="1523880" y="1581120"/>
-            <a:ext cx="7619760" cy="36000"/>
+            <a:ext cx="7619400" cy="35640"/>
           </a:xfrm>
           <a:prstGeom prst="rect">
             <a:avLst/>
@@ -2663,7 +2551,7 @@
         <p:spPr>
           <a:xfrm>
             <a:off x="2666880" y="1143000"/>
-            <a:ext cx="6476760" cy="461160"/>
+            <a:ext cx="6476400" cy="460800"/>
           </a:xfrm>
           <a:prstGeom prst="rect">
             <a:avLst/>
@@ -2680,11 +2568,11 @@
           <a:fontRef idx="minor"/>
         </p:style>
         <p:txBody>
-          <a:bodyPr>
+          <a:bodyPr lIns="90000" rIns="90000" tIns="45000" bIns="45000">
             <a:noAutofit/>
           </a:bodyPr>
           <a:p>
-            <a:pPr marL="343080" indent="-342720" algn="r">
+            <a:pPr marL="343080" indent="-342360" algn="r">
               <a:lnSpc>
                 <a:spcPct val="100000"/>
               </a:lnSpc>
@@ -2707,14 +2595,14 @@
       </p:sp>
       <p:sp>
         <p:nvSpPr>
-          <p:cNvPr id="52" name="TextShape 3"/>
-          <p:cNvSpPr txBox="1"/>
+          <p:cNvPr id="52" name="CustomShape 3"/>
+          <p:cNvSpPr/>
           <p:nvPr/>
         </p:nvSpPr>
         <p:spPr>
           <a:xfrm>
             <a:off x="576000" y="2088000"/>
-            <a:ext cx="6408000" cy="2649960"/>
+            <a:ext cx="6407640" cy="2649600"/>
           </a:xfrm>
           <a:prstGeom prst="rect">
             <a:avLst/>
@@ -2724,11 +2612,22 @@
             <a:noFill/>
           </a:ln>
         </p:spPr>
+        <p:style>
+          <a:lnRef idx="0"/>
+          <a:fillRef idx="0"/>
+          <a:effectRef idx="0"/>
+          <a:fontRef idx="minor"/>
+        </p:style>
         <p:txBody>
           <a:bodyPr lIns="90000" rIns="90000" tIns="45000" bIns="45000">
             <a:noAutofit/>
           </a:bodyPr>
           <a:p>
+            <a:pPr>
+              <a:lnSpc>
+                <a:spcPct val="100000"/>
+              </a:lnSpc>
+            </a:pPr>
             <a:r>
               <a:rPr b="0" lang="en-GB" sz="1800" spc="-1" strike="noStrike">
                 <a:latin typeface="Arial"/>
@@ -2740,11 +2639,21 @@
             </a:endParaRPr>
           </a:p>
           <a:p>
+            <a:pPr>
+              <a:lnSpc>
+                <a:spcPct val="100000"/>
+              </a:lnSpc>
+            </a:pPr>
             <a:endParaRPr b="0" lang="en-GB" sz="1800" spc="-1" strike="noStrike">
               <a:latin typeface="Arial"/>
             </a:endParaRPr>
           </a:p>
           <a:p>
+            <a:pPr>
+              <a:lnSpc>
+                <a:spcPct val="100000"/>
+              </a:lnSpc>
+            </a:pPr>
             <a:r>
               <a:rPr b="0" lang="en-GB" sz="1800" spc="-1" strike="noStrike">
                 <a:latin typeface="Arial"/>
@@ -2756,6 +2665,11 @@
             </a:endParaRPr>
           </a:p>
           <a:p>
+            <a:pPr>
+              <a:lnSpc>
+                <a:spcPct val="100000"/>
+              </a:lnSpc>
+            </a:pPr>
             <a:r>
               <a:rPr b="0" lang="en-GB" sz="1800" spc="-1" strike="noStrike">
                 <a:latin typeface="Arial"/>
@@ -2766,13 +2680,18 @@
               <a:rPr b="0" lang="en-GB" sz="1800" spc="-1" strike="noStrike">
                 <a:latin typeface="Arial"/>
               </a:rPr>
-              <a:t>a) Jquery</a:t>
+              <a:t>a) AngularJS</a:t>
             </a:r>
             <a:endParaRPr b="0" lang="en-GB" sz="1800" spc="-1" strike="noStrike">
               <a:latin typeface="Arial"/>
             </a:endParaRPr>
           </a:p>
           <a:p>
+            <a:pPr>
+              <a:lnSpc>
+                <a:spcPct val="100000"/>
+              </a:lnSpc>
+            </a:pPr>
             <a:r>
               <a:rPr b="0" lang="en-GB" sz="1800" spc="-1" strike="noStrike">
                 <a:latin typeface="Arial"/>
@@ -2783,13 +2702,18 @@
               <a:rPr b="0" lang="en-GB" sz="1800" spc="-1" strike="noStrike">
                 <a:latin typeface="Arial"/>
               </a:rPr>
-              <a:t>b) Bootstrap</a:t>
+              <a:t>b) Jquery</a:t>
             </a:r>
             <a:endParaRPr b="0" lang="en-GB" sz="1800" spc="-1" strike="noStrike">
               <a:latin typeface="Arial"/>
             </a:endParaRPr>
           </a:p>
           <a:p>
+            <a:pPr>
+              <a:lnSpc>
+                <a:spcPct val="100000"/>
+              </a:lnSpc>
+            </a:pPr>
             <a:r>
               <a:rPr b="0" lang="en-GB" sz="1800" spc="-1" strike="noStrike">
                 <a:latin typeface="Arial"/>
@@ -2800,13 +2724,18 @@
               <a:rPr b="0" lang="en-GB" sz="1800" spc="-1" strike="noStrike">
                 <a:latin typeface="Arial"/>
               </a:rPr>
-              <a:t>c) HTML</a:t>
+              <a:t>c) Bootstrap</a:t>
             </a:r>
             <a:endParaRPr b="0" lang="en-GB" sz="1800" spc="-1" strike="noStrike">
               <a:latin typeface="Arial"/>
             </a:endParaRPr>
           </a:p>
           <a:p>
+            <a:pPr>
+              <a:lnSpc>
+                <a:spcPct val="100000"/>
+              </a:lnSpc>
+            </a:pPr>
             <a:r>
               <a:rPr b="0" lang="en-GB" sz="1800" spc="-1" strike="noStrike">
                 <a:latin typeface="Arial"/>
@@ -2817,17 +2746,44 @@
               <a:rPr b="0" lang="en-GB" sz="1800" spc="-1" strike="noStrike">
                 <a:latin typeface="Arial"/>
               </a:rPr>
-              <a:t>d) CSS</a:t>
+              <a:t>d) HTML</a:t>
             </a:r>
             <a:endParaRPr b="0" lang="en-GB" sz="1800" spc="-1" strike="noStrike">
               <a:latin typeface="Arial"/>
             </a:endParaRPr>
           </a:p>
           <a:p>
+            <a:pPr>
+              <a:lnSpc>
+                <a:spcPct val="100000"/>
+              </a:lnSpc>
+            </a:pPr>
             <a:r>
               <a:rPr b="0" lang="en-GB" sz="1800" spc="-1" strike="noStrike">
                 <a:latin typeface="Arial"/>
               </a:rPr>
+              <a:t>	</a:t>
+            </a:r>
+            <a:r>
+              <a:rPr b="0" lang="en-GB" sz="1800" spc="-1" strike="noStrike">
+                <a:latin typeface="Arial"/>
+              </a:rPr>
+              <a:t>e) CSS</a:t>
+            </a:r>
+            <a:endParaRPr b="0" lang="en-GB" sz="1800" spc="-1" strike="noStrike">
+              <a:latin typeface="Arial"/>
+            </a:endParaRPr>
+          </a:p>
+          <a:p>
+            <a:pPr>
+              <a:lnSpc>
+                <a:spcPct val="100000"/>
+              </a:lnSpc>
+            </a:pPr>
+            <a:r>
+              <a:rPr b="0" lang="en-GB" sz="1800" spc="-1" strike="noStrike">
+                <a:latin typeface="Arial"/>
+              </a:rPr>
               <a:t>2) Backend Framework</a:t>
             </a:r>
             <a:endParaRPr b="0" lang="en-GB" sz="1800" spc="-1" strike="noStrike">
@@ -2835,6 +2791,11 @@
             </a:endParaRPr>
           </a:p>
           <a:p>
+            <a:pPr>
+              <a:lnSpc>
+                <a:spcPct val="100000"/>
+              </a:lnSpc>
+            </a:pPr>
             <a:r>
               <a:rPr b="0" lang="en-GB" sz="1800" spc="-1" strike="noStrike">
                 <a:latin typeface="Arial"/>
@@ -2852,6 +2813,11 @@
             </a:endParaRPr>
           </a:p>
           <a:p>
+            <a:pPr>
+              <a:lnSpc>
+                <a:spcPct val="100000"/>
+              </a:lnSpc>
+            </a:pPr>
             <a:r>
               <a:rPr b="0" lang="en-GB" sz="1800" spc="-1" strike="noStrike">
                 <a:latin typeface="Arial"/>
@@ -2909,7 +2875,7 @@
         <p:spPr>
           <a:xfrm>
             <a:off x="1523880" y="1581120"/>
-            <a:ext cx="7619760" cy="36000"/>
+            <a:ext cx="7619400" cy="35640"/>
           </a:xfrm>
           <a:prstGeom prst="rect">
             <a:avLst/>
@@ -2937,7 +2903,7 @@
         <p:spPr>
           <a:xfrm>
             <a:off x="2666880" y="1143000"/>
-            <a:ext cx="6476760" cy="461160"/>
+            <a:ext cx="6476400" cy="460800"/>
           </a:xfrm>
           <a:prstGeom prst="rect">
             <a:avLst/>
@@ -2954,11 +2920,11 @@
           <a:fontRef idx="minor"/>
         </p:style>
         <p:txBody>
-          <a:bodyPr>
+          <a:bodyPr lIns="90000" rIns="90000" tIns="45000" bIns="45000">
             <a:noAutofit/>
           </a:bodyPr>
           <a:p>
-            <a:pPr marL="343080" indent="-342720" algn="r">
+            <a:pPr marL="343080" indent="-342360" algn="r">
               <a:lnSpc>
                 <a:spcPct val="100000"/>
               </a:lnSpc>
@@ -2981,14 +2947,14 @@
       </p:sp>
       <p:sp>
         <p:nvSpPr>
-          <p:cNvPr id="55" name="TextShape 3"/>
-          <p:cNvSpPr txBox="1"/>
+          <p:cNvPr id="55" name="CustomShape 3"/>
+          <p:cNvSpPr/>
           <p:nvPr/>
         </p:nvSpPr>
         <p:spPr>
           <a:xfrm>
-            <a:off x="504000" y="1872000"/>
-            <a:ext cx="6984000" cy="4885560"/>
+            <a:off x="504000" y="1768680"/>
+            <a:ext cx="6983640" cy="4885200"/>
           </a:xfrm>
           <a:prstGeom prst="rect">
             <a:avLst/>
@@ -2998,11 +2964,22 @@
             <a:noFill/>
           </a:ln>
         </p:spPr>
+        <p:style>
+          <a:lnRef idx="0"/>
+          <a:fillRef idx="0"/>
+          <a:effectRef idx="0"/>
+          <a:fontRef idx="minor"/>
+        </p:style>
         <p:txBody>
           <a:bodyPr lIns="90000" rIns="90000" tIns="45000" bIns="45000">
             <a:noAutofit/>
           </a:bodyPr>
           <a:p>
+            <a:pPr>
+              <a:lnSpc>
+                <a:spcPct val="100000"/>
+              </a:lnSpc>
+            </a:pPr>
             <a:r>
               <a:rPr b="0" lang="en-GB" sz="1400" spc="-1" strike="noStrike">
                 <a:latin typeface="Arial"/>
@@ -3014,6 +2991,11 @@
             </a:endParaRPr>
           </a:p>
           <a:p>
+            <a:pPr>
+              <a:lnSpc>
+                <a:spcPct val="100000"/>
+              </a:lnSpc>
+            </a:pPr>
             <a:r>
               <a:rPr b="0" lang="en-GB" sz="1400" spc="-1" strike="noStrike">
                 <a:latin typeface="Arial"/>
@@ -3025,6 +3007,11 @@
             </a:endParaRPr>
           </a:p>
           <a:p>
+            <a:pPr>
+              <a:lnSpc>
+                <a:spcPct val="100000"/>
+              </a:lnSpc>
+            </a:pPr>
             <a:r>
               <a:rPr b="0" lang="en-GB" sz="1400" spc="-1" strike="noStrike">
                 <a:latin typeface="Arial"/>
@@ -3036,11 +3023,21 @@
             </a:endParaRPr>
           </a:p>
           <a:p>
+            <a:pPr>
+              <a:lnSpc>
+                <a:spcPct val="100000"/>
+              </a:lnSpc>
+            </a:pPr>
             <a:endParaRPr b="0" lang="en-GB" sz="1400" spc="-1" strike="noStrike">
               <a:latin typeface="Arial"/>
             </a:endParaRPr>
           </a:p>
           <a:p>
+            <a:pPr>
+              <a:lnSpc>
+                <a:spcPct val="100000"/>
+              </a:lnSpc>
+            </a:pPr>
             <a:r>
               <a:rPr b="0" lang="en-GB" sz="1400" spc="-1" strike="noStrike">
                 <a:latin typeface="Arial"/>
@@ -3052,6 +3049,11 @@
             </a:endParaRPr>
           </a:p>
           <a:p>
+            <a:pPr>
+              <a:lnSpc>
+                <a:spcPct val="100000"/>
+              </a:lnSpc>
+            </a:pPr>
             <a:r>
               <a:rPr b="0" lang="en-GB" sz="1400" spc="-1" strike="noStrike">
                 <a:latin typeface="Arial"/>
@@ -3063,11 +3065,21 @@
             </a:endParaRPr>
           </a:p>
           <a:p>
+            <a:pPr>
+              <a:lnSpc>
+                <a:spcPct val="100000"/>
+              </a:lnSpc>
+            </a:pPr>
             <a:endParaRPr b="0" lang="en-GB" sz="1400" spc="-1" strike="noStrike">
               <a:latin typeface="Arial"/>
             </a:endParaRPr>
           </a:p>
           <a:p>
+            <a:pPr>
+              <a:lnSpc>
+                <a:spcPct val="100000"/>
+              </a:lnSpc>
+            </a:pPr>
             <a:r>
               <a:rPr b="0" lang="en-GB" sz="1400" spc="-1" strike="noStrike">
                 <a:latin typeface="Arial"/>
@@ -3079,6 +3091,11 @@
             </a:endParaRPr>
           </a:p>
           <a:p>
+            <a:pPr>
+              <a:lnSpc>
+                <a:spcPct val="100000"/>
+              </a:lnSpc>
+            </a:pPr>
             <a:r>
               <a:rPr b="0" lang="en-GB" sz="1400" spc="-1" strike="noStrike">
                 <a:latin typeface="Arial"/>
@@ -3090,11 +3107,21 @@
             </a:endParaRPr>
           </a:p>
           <a:p>
+            <a:pPr>
+              <a:lnSpc>
+                <a:spcPct val="100000"/>
+              </a:lnSpc>
+            </a:pPr>
             <a:endParaRPr b="0" lang="en-GB" sz="1400" spc="-1" strike="noStrike">
               <a:latin typeface="Arial"/>
             </a:endParaRPr>
           </a:p>
           <a:p>
+            <a:pPr>
+              <a:lnSpc>
+                <a:spcPct val="100000"/>
+              </a:lnSpc>
+            </a:pPr>
             <a:r>
               <a:rPr b="0" lang="en-GB" sz="1400" spc="-1" strike="noStrike">
                 <a:latin typeface="Arial"/>
@@ -3106,6 +3133,11 @@
             </a:endParaRPr>
           </a:p>
           <a:p>
+            <a:pPr>
+              <a:lnSpc>
+                <a:spcPct val="100000"/>
+              </a:lnSpc>
+            </a:pPr>
             <a:r>
               <a:rPr b="0" lang="en-GB" sz="1400" spc="-1" strike="noStrike">
                 <a:latin typeface="Arial"/>
@@ -3117,11 +3149,21 @@
             </a:endParaRPr>
           </a:p>
           <a:p>
+            <a:pPr>
+              <a:lnSpc>
+                <a:spcPct val="100000"/>
+              </a:lnSpc>
+            </a:pPr>
             <a:endParaRPr b="0" lang="en-GB" sz="1400" spc="-1" strike="noStrike">
               <a:latin typeface="Arial"/>
             </a:endParaRPr>
           </a:p>
           <a:p>
+            <a:pPr>
+              <a:lnSpc>
+                <a:spcPct val="100000"/>
+              </a:lnSpc>
+            </a:pPr>
             <a:r>
               <a:rPr b="0" lang="en-GB" sz="1400" spc="-1" strike="noStrike">
                 <a:latin typeface="Arial"/>
@@ -3133,6 +3175,11 @@
             </a:endParaRPr>
           </a:p>
           <a:p>
+            <a:pPr>
+              <a:lnSpc>
+                <a:spcPct val="100000"/>
+              </a:lnSpc>
+            </a:pPr>
             <a:r>
               <a:rPr b="0" lang="en-GB" sz="1400" spc="-1" strike="noStrike">
                 <a:latin typeface="Arial"/>
@@ -3144,6 +3191,11 @@
             </a:endParaRPr>
           </a:p>
           <a:p>
+            <a:pPr>
+              <a:lnSpc>
+                <a:spcPct val="100000"/>
+              </a:lnSpc>
+            </a:pPr>
             <a:endParaRPr b="0" lang="en-GB" sz="1400" spc="-1" strike="noStrike">
               <a:latin typeface="Arial"/>
             </a:endParaRPr>
@@ -3189,7 +3241,7 @@
         <p:spPr>
           <a:xfrm>
             <a:off x="1523880" y="1581120"/>
-            <a:ext cx="7619760" cy="36000"/>
+            <a:ext cx="7619400" cy="35640"/>
           </a:xfrm>
           <a:prstGeom prst="rect">
             <a:avLst/>
@@ -3217,7 +3269,7 @@
         <p:spPr>
           <a:xfrm>
             <a:off x="2666880" y="1143000"/>
-            <a:ext cx="6476760" cy="461160"/>
+            <a:ext cx="6476400" cy="460800"/>
           </a:xfrm>
           <a:prstGeom prst="rect">
             <a:avLst/>
@@ -3234,11 +3286,11 @@
           <a:fontRef idx="minor"/>
         </p:style>
         <p:txBody>
-          <a:bodyPr>
+          <a:bodyPr lIns="90000" rIns="90000" tIns="45000" bIns="45000">
             <a:noAutofit/>
           </a:bodyPr>
           <a:p>
-            <a:pPr marL="343080" indent="-342720" algn="r">
+            <a:pPr marL="343080" indent="-342360" algn="r">
               <a:lnSpc>
                 <a:spcPct val="100000"/>
               </a:lnSpc>
@@ -3298,7 +3350,7 @@
         <p:spPr>
           <a:xfrm>
             <a:off x="1619640" y="3352680"/>
-            <a:ext cx="3733920" cy="707760"/>
+            <a:ext cx="3733560" cy="707400"/>
           </a:xfrm>
           <a:prstGeom prst="rect">
             <a:avLst/>
@@ -3315,7 +3367,7 @@
           <a:fontRef idx="minor"/>
         </p:style>
         <p:txBody>
-          <a:bodyPr>
+          <a:bodyPr lIns="90000" rIns="90000" tIns="45000" bIns="45000">
             <a:noAutofit/>
           </a:bodyPr>
           <a:p>

--- a/Project-Overview.pptx
+++ b/Project-Overview.pptx
@@ -13,7 +13,7 @@
     <p:sldId id="261" r:id="rId8"/>
   </p:sldIdLst>
   <p:sldSz cx="9144000" cy="6858000"/>
-  <p:notesSz cx="7559675" cy="10691812"/>
+  <p:notesSz cx="7772400" cy="10058400"/>
 </p:presentation>
 </file>
 
@@ -76,12 +76,10 @@
           </a:prstGeom>
         </p:spPr>
         <p:txBody>
-          <a:bodyPr lIns="0" rIns="0" tIns="0" bIns="0" anchor="ctr">
-            <a:noAutofit/>
-          </a:bodyPr>
+          <a:bodyPr lIns="0" rIns="0" tIns="0" bIns="0" anchor="ctr"/>
           <a:p>
             <a:pPr algn="ctr"/>
-            <a:endParaRPr b="0" lang="en-GB" sz="4400" spc="-1" strike="noStrike">
+            <a:endParaRPr b="0" lang="en-US" sz="4400" spc="-1" strike="noStrike">
               <a:latin typeface="Arial"/>
             </a:endParaRPr>
           </a:p>
@@ -111,7 +109,7 @@
             <a:normAutofit/>
           </a:bodyPr>
           <a:p>
-            <a:endParaRPr b="0" lang="en-GB" sz="3200" spc="-1" strike="noStrike">
+            <a:endParaRPr b="0" lang="en-US" sz="3200" spc="-1" strike="noStrike">
               <a:latin typeface="Arial"/>
             </a:endParaRPr>
           </a:p>
@@ -141,7 +139,7 @@
             <a:normAutofit/>
           </a:bodyPr>
           <a:p>
-            <a:endParaRPr b="0" lang="en-GB" sz="3200" spc="-1" strike="noStrike">
+            <a:endParaRPr b="0" lang="en-US" sz="3200" spc="-1" strike="noStrike">
               <a:latin typeface="Arial"/>
             </a:endParaRPr>
           </a:p>
@@ -189,12 +187,10 @@
           </a:prstGeom>
         </p:spPr>
         <p:txBody>
-          <a:bodyPr lIns="0" rIns="0" tIns="0" bIns="0" anchor="ctr">
-            <a:noAutofit/>
-          </a:bodyPr>
+          <a:bodyPr lIns="0" rIns="0" tIns="0" bIns="0" anchor="ctr"/>
           <a:p>
             <a:pPr algn="ctr"/>
-            <a:endParaRPr b="0" lang="en-GB" sz="4400" spc="-1" strike="noStrike">
+            <a:endParaRPr b="0" lang="en-US" sz="4400" spc="-1" strike="noStrike">
               <a:latin typeface="Arial"/>
             </a:endParaRPr>
           </a:p>
@@ -224,7 +220,7 @@
             <a:normAutofit/>
           </a:bodyPr>
           <a:p>
-            <a:endParaRPr b="0" lang="en-GB" sz="3200" spc="-1" strike="noStrike">
+            <a:endParaRPr b="0" lang="en-US" sz="3200" spc="-1" strike="noStrike">
               <a:latin typeface="Arial"/>
             </a:endParaRPr>
           </a:p>
@@ -254,7 +250,7 @@
             <a:normAutofit/>
           </a:bodyPr>
           <a:p>
-            <a:endParaRPr b="0" lang="en-GB" sz="3200" spc="-1" strike="noStrike">
+            <a:endParaRPr b="0" lang="en-US" sz="3200" spc="-1" strike="noStrike">
               <a:latin typeface="Arial"/>
             </a:endParaRPr>
           </a:p>
@@ -284,7 +280,7 @@
             <a:normAutofit/>
           </a:bodyPr>
           <a:p>
-            <a:endParaRPr b="0" lang="en-GB" sz="3200" spc="-1" strike="noStrike">
+            <a:endParaRPr b="0" lang="en-US" sz="3200" spc="-1" strike="noStrike">
               <a:latin typeface="Arial"/>
             </a:endParaRPr>
           </a:p>
@@ -314,7 +310,7 @@
             <a:normAutofit/>
           </a:bodyPr>
           <a:p>
-            <a:endParaRPr b="0" lang="en-GB" sz="3200" spc="-1" strike="noStrike">
+            <a:endParaRPr b="0" lang="en-US" sz="3200" spc="-1" strike="noStrike">
               <a:latin typeface="Arial"/>
             </a:endParaRPr>
           </a:p>
@@ -362,12 +358,10 @@
           </a:prstGeom>
         </p:spPr>
         <p:txBody>
-          <a:bodyPr lIns="0" rIns="0" tIns="0" bIns="0" anchor="ctr">
-            <a:noAutofit/>
-          </a:bodyPr>
+          <a:bodyPr lIns="0" rIns="0" tIns="0" bIns="0" anchor="ctr"/>
           <a:p>
             <a:pPr algn="ctr"/>
-            <a:endParaRPr b="0" lang="en-GB" sz="4400" spc="-1" strike="noStrike">
+            <a:endParaRPr b="0" lang="en-US" sz="4400" spc="-1" strike="noStrike">
               <a:latin typeface="Arial"/>
             </a:endParaRPr>
           </a:p>
@@ -397,7 +391,7 @@
             <a:normAutofit/>
           </a:bodyPr>
           <a:p>
-            <a:endParaRPr b="0" lang="en-GB" sz="3200" spc="-1" strike="noStrike">
+            <a:endParaRPr b="0" lang="en-US" sz="3200" spc="-1" strike="noStrike">
               <a:latin typeface="Arial"/>
             </a:endParaRPr>
           </a:p>
@@ -427,7 +421,7 @@
             <a:normAutofit/>
           </a:bodyPr>
           <a:p>
-            <a:endParaRPr b="0" lang="en-GB" sz="3200" spc="-1" strike="noStrike">
+            <a:endParaRPr b="0" lang="en-US" sz="3200" spc="-1" strike="noStrike">
               <a:latin typeface="Arial"/>
             </a:endParaRPr>
           </a:p>
@@ -457,7 +451,7 @@
             <a:normAutofit/>
           </a:bodyPr>
           <a:p>
-            <a:endParaRPr b="0" lang="en-GB" sz="3200" spc="-1" strike="noStrike">
+            <a:endParaRPr b="0" lang="en-US" sz="3200" spc="-1" strike="noStrike">
               <a:latin typeface="Arial"/>
             </a:endParaRPr>
           </a:p>
@@ -487,7 +481,7 @@
             <a:normAutofit/>
           </a:bodyPr>
           <a:p>
-            <a:endParaRPr b="0" lang="en-GB" sz="3200" spc="-1" strike="noStrike">
+            <a:endParaRPr b="0" lang="en-US" sz="3200" spc="-1" strike="noStrike">
               <a:latin typeface="Arial"/>
             </a:endParaRPr>
           </a:p>
@@ -517,7 +511,7 @@
             <a:normAutofit/>
           </a:bodyPr>
           <a:p>
-            <a:endParaRPr b="0" lang="en-GB" sz="3200" spc="-1" strike="noStrike">
+            <a:endParaRPr b="0" lang="en-US" sz="3200" spc="-1" strike="noStrike">
               <a:latin typeface="Arial"/>
             </a:endParaRPr>
           </a:p>
@@ -547,7 +541,7 @@
             <a:normAutofit/>
           </a:bodyPr>
           <a:p>
-            <a:endParaRPr b="0" lang="en-GB" sz="3200" spc="-1" strike="noStrike">
+            <a:endParaRPr b="0" lang="en-US" sz="3200" spc="-1" strike="noStrike">
               <a:latin typeface="Arial"/>
             </a:endParaRPr>
           </a:p>
@@ -595,12 +589,10 @@
           </a:prstGeom>
         </p:spPr>
         <p:txBody>
-          <a:bodyPr lIns="0" rIns="0" tIns="0" bIns="0" anchor="ctr">
-            <a:noAutofit/>
-          </a:bodyPr>
+          <a:bodyPr lIns="0" rIns="0" tIns="0" bIns="0" anchor="ctr"/>
           <a:p>
             <a:pPr algn="ctr"/>
-            <a:endParaRPr b="0" lang="en-GB" sz="4400" spc="-1" strike="noStrike">
+            <a:endParaRPr b="0" lang="en-US" sz="4400" spc="-1" strike="noStrike">
               <a:latin typeface="Arial"/>
             </a:endParaRPr>
           </a:p>
@@ -626,12 +618,10 @@
           </a:prstGeom>
         </p:spPr>
         <p:txBody>
-          <a:bodyPr lIns="0" rIns="0" tIns="0" bIns="0" anchor="ctr">
-            <a:noAutofit/>
-          </a:bodyPr>
+          <a:bodyPr lIns="0" rIns="0" tIns="0" bIns="0" anchor="ctr"/>
           <a:p>
             <a:pPr algn="ctr"/>
-            <a:endParaRPr b="0" lang="en-GB" sz="3200" spc="-1" strike="noStrike">
+            <a:endParaRPr b="0" lang="en-US" sz="3200" spc="-1" strike="noStrike">
               <a:latin typeface="Arial"/>
             </a:endParaRPr>
           </a:p>
@@ -679,12 +669,10 @@
           </a:prstGeom>
         </p:spPr>
         <p:txBody>
-          <a:bodyPr lIns="0" rIns="0" tIns="0" bIns="0" anchor="ctr">
-            <a:noAutofit/>
-          </a:bodyPr>
+          <a:bodyPr lIns="0" rIns="0" tIns="0" bIns="0" anchor="ctr"/>
           <a:p>
             <a:pPr algn="ctr"/>
-            <a:endParaRPr b="0" lang="en-GB" sz="4400" spc="-1" strike="noStrike">
+            <a:endParaRPr b="0" lang="en-US" sz="4400" spc="-1" strike="noStrike">
               <a:latin typeface="Arial"/>
             </a:endParaRPr>
           </a:p>
@@ -714,7 +702,7 @@
             <a:normAutofit/>
           </a:bodyPr>
           <a:p>
-            <a:endParaRPr b="0" lang="en-GB" sz="3200" spc="-1" strike="noStrike">
+            <a:endParaRPr b="0" lang="en-US" sz="3200" spc="-1" strike="noStrike">
               <a:latin typeface="Arial"/>
             </a:endParaRPr>
           </a:p>
@@ -762,12 +750,10 @@
           </a:prstGeom>
         </p:spPr>
         <p:txBody>
-          <a:bodyPr lIns="0" rIns="0" tIns="0" bIns="0" anchor="ctr">
-            <a:noAutofit/>
-          </a:bodyPr>
+          <a:bodyPr lIns="0" rIns="0" tIns="0" bIns="0" anchor="ctr"/>
           <a:p>
             <a:pPr algn="ctr"/>
-            <a:endParaRPr b="0" lang="en-GB" sz="4400" spc="-1" strike="noStrike">
+            <a:endParaRPr b="0" lang="en-US" sz="4400" spc="-1" strike="noStrike">
               <a:latin typeface="Arial"/>
             </a:endParaRPr>
           </a:p>
@@ -797,7 +783,7 @@
             <a:normAutofit/>
           </a:bodyPr>
           <a:p>
-            <a:endParaRPr b="0" lang="en-GB" sz="3200" spc="-1" strike="noStrike">
+            <a:endParaRPr b="0" lang="en-US" sz="3200" spc="-1" strike="noStrike">
               <a:latin typeface="Arial"/>
             </a:endParaRPr>
           </a:p>
@@ -827,7 +813,7 @@
             <a:normAutofit/>
           </a:bodyPr>
           <a:p>
-            <a:endParaRPr b="0" lang="en-GB" sz="3200" spc="-1" strike="noStrike">
+            <a:endParaRPr b="0" lang="en-US" sz="3200" spc="-1" strike="noStrike">
               <a:latin typeface="Arial"/>
             </a:endParaRPr>
           </a:p>
@@ -875,12 +861,10 @@
           </a:prstGeom>
         </p:spPr>
         <p:txBody>
-          <a:bodyPr lIns="0" rIns="0" tIns="0" bIns="0" anchor="ctr">
-            <a:noAutofit/>
-          </a:bodyPr>
+          <a:bodyPr lIns="0" rIns="0" tIns="0" bIns="0" anchor="ctr"/>
           <a:p>
             <a:pPr algn="ctr"/>
-            <a:endParaRPr b="0" lang="en-GB" sz="4400" spc="-1" strike="noStrike">
+            <a:endParaRPr b="0" lang="en-US" sz="4400" spc="-1" strike="noStrike">
               <a:latin typeface="Arial"/>
             </a:endParaRPr>
           </a:p>
@@ -928,12 +912,10 @@
           </a:prstGeom>
         </p:spPr>
         <p:txBody>
-          <a:bodyPr lIns="0" rIns="0" tIns="0" bIns="0" anchor="ctr">
-            <a:noAutofit/>
-          </a:bodyPr>
+          <a:bodyPr lIns="0" rIns="0" tIns="0" bIns="0" anchor="ctr"/>
           <a:p>
             <a:pPr algn="ctr"/>
-            <a:endParaRPr b="0" lang="en-GB" sz="3200" spc="-1" strike="noStrike">
+            <a:endParaRPr b="0" lang="en-US" sz="3200" spc="-1" strike="noStrike">
               <a:latin typeface="Arial"/>
             </a:endParaRPr>
           </a:p>
@@ -981,12 +963,10 @@
           </a:prstGeom>
         </p:spPr>
         <p:txBody>
-          <a:bodyPr lIns="0" rIns="0" tIns="0" bIns="0" anchor="ctr">
-            <a:noAutofit/>
-          </a:bodyPr>
+          <a:bodyPr lIns="0" rIns="0" tIns="0" bIns="0" anchor="ctr"/>
           <a:p>
             <a:pPr algn="ctr"/>
-            <a:endParaRPr b="0" lang="en-GB" sz="4400" spc="-1" strike="noStrike">
+            <a:endParaRPr b="0" lang="en-US" sz="4400" spc="-1" strike="noStrike">
               <a:latin typeface="Arial"/>
             </a:endParaRPr>
           </a:p>
@@ -1016,7 +996,7 @@
             <a:normAutofit/>
           </a:bodyPr>
           <a:p>
-            <a:endParaRPr b="0" lang="en-GB" sz="3200" spc="-1" strike="noStrike">
+            <a:endParaRPr b="0" lang="en-US" sz="3200" spc="-1" strike="noStrike">
               <a:latin typeface="Arial"/>
             </a:endParaRPr>
           </a:p>
@@ -1046,7 +1026,7 @@
             <a:normAutofit/>
           </a:bodyPr>
           <a:p>
-            <a:endParaRPr b="0" lang="en-GB" sz="3200" spc="-1" strike="noStrike">
+            <a:endParaRPr b="0" lang="en-US" sz="3200" spc="-1" strike="noStrike">
               <a:latin typeface="Arial"/>
             </a:endParaRPr>
           </a:p>
@@ -1076,7 +1056,7 @@
             <a:normAutofit/>
           </a:bodyPr>
           <a:p>
-            <a:endParaRPr b="0" lang="en-GB" sz="3200" spc="-1" strike="noStrike">
+            <a:endParaRPr b="0" lang="en-US" sz="3200" spc="-1" strike="noStrike">
               <a:latin typeface="Arial"/>
             </a:endParaRPr>
           </a:p>
@@ -1124,12 +1104,10 @@
           </a:prstGeom>
         </p:spPr>
         <p:txBody>
-          <a:bodyPr lIns="0" rIns="0" tIns="0" bIns="0" anchor="ctr">
-            <a:noAutofit/>
-          </a:bodyPr>
+          <a:bodyPr lIns="0" rIns="0" tIns="0" bIns="0" anchor="ctr"/>
           <a:p>
             <a:pPr algn="ctr"/>
-            <a:endParaRPr b="0" lang="en-GB" sz="4400" spc="-1" strike="noStrike">
+            <a:endParaRPr b="0" lang="en-US" sz="4400" spc="-1" strike="noStrike">
               <a:latin typeface="Arial"/>
             </a:endParaRPr>
           </a:p>
@@ -1159,7 +1137,7 @@
             <a:normAutofit/>
           </a:bodyPr>
           <a:p>
-            <a:endParaRPr b="0" lang="en-GB" sz="3200" spc="-1" strike="noStrike">
+            <a:endParaRPr b="0" lang="en-US" sz="3200" spc="-1" strike="noStrike">
               <a:latin typeface="Arial"/>
             </a:endParaRPr>
           </a:p>
@@ -1189,7 +1167,7 @@
             <a:normAutofit/>
           </a:bodyPr>
           <a:p>
-            <a:endParaRPr b="0" lang="en-GB" sz="3200" spc="-1" strike="noStrike">
+            <a:endParaRPr b="0" lang="en-US" sz="3200" spc="-1" strike="noStrike">
               <a:latin typeface="Arial"/>
             </a:endParaRPr>
           </a:p>
@@ -1219,7 +1197,7 @@
             <a:normAutofit/>
           </a:bodyPr>
           <a:p>
-            <a:endParaRPr b="0" lang="en-GB" sz="3200" spc="-1" strike="noStrike">
+            <a:endParaRPr b="0" lang="en-US" sz="3200" spc="-1" strike="noStrike">
               <a:latin typeface="Arial"/>
             </a:endParaRPr>
           </a:p>
@@ -1267,12 +1245,10 @@
           </a:prstGeom>
         </p:spPr>
         <p:txBody>
-          <a:bodyPr lIns="0" rIns="0" tIns="0" bIns="0" anchor="ctr">
-            <a:noAutofit/>
-          </a:bodyPr>
+          <a:bodyPr lIns="0" rIns="0" tIns="0" bIns="0" anchor="ctr"/>
           <a:p>
             <a:pPr algn="ctr"/>
-            <a:endParaRPr b="0" lang="en-GB" sz="4400" spc="-1" strike="noStrike">
+            <a:endParaRPr b="0" lang="en-US" sz="4400" spc="-1" strike="noStrike">
               <a:latin typeface="Arial"/>
             </a:endParaRPr>
           </a:p>
@@ -1302,7 +1278,7 @@
             <a:normAutofit/>
           </a:bodyPr>
           <a:p>
-            <a:endParaRPr b="0" lang="en-GB" sz="3200" spc="-1" strike="noStrike">
+            <a:endParaRPr b="0" lang="en-US" sz="3200" spc="-1" strike="noStrike">
               <a:latin typeface="Arial"/>
             </a:endParaRPr>
           </a:p>
@@ -1332,7 +1308,7 @@
             <a:normAutofit/>
           </a:bodyPr>
           <a:p>
-            <a:endParaRPr b="0" lang="en-GB" sz="3200" spc="-1" strike="noStrike">
+            <a:endParaRPr b="0" lang="en-US" sz="3200" spc="-1" strike="noStrike">
               <a:latin typeface="Arial"/>
             </a:endParaRPr>
           </a:p>
@@ -1362,7 +1338,7 @@
             <a:normAutofit/>
           </a:bodyPr>
           <a:p>
-            <a:endParaRPr b="0" lang="en-GB" sz="3200" spc="-1" strike="noStrike">
+            <a:endParaRPr b="0" lang="en-US" sz="3200" spc="-1" strike="noStrike">
               <a:latin typeface="Arial"/>
             </a:endParaRPr>
           </a:p>
@@ -1410,7 +1386,7 @@
         <p:spPr>
           <a:xfrm>
             <a:off x="0" y="-13680"/>
-            <a:ext cx="9143280" cy="6933600"/>
+            <a:ext cx="9142920" cy="6933240"/>
           </a:xfrm>
           <a:prstGeom prst="rect">
             <a:avLst/>
@@ -1429,7 +1405,7 @@
         <p:spPr>
           <a:xfrm>
             <a:off x="0" y="152280"/>
-            <a:ext cx="1523160" cy="1199520"/>
+            <a:ext cx="1522800" cy="1199160"/>
           </a:xfrm>
           <a:prstGeom prst="rect">
             <a:avLst/>
@@ -1448,46 +1424,44 @@
           <a:fontRef idx="minor"/>
         </p:style>
         <p:txBody>
-          <a:bodyPr lIns="90000" rIns="90000" tIns="45000" bIns="45000">
-            <a:noAutofit/>
-          </a:bodyPr>
-          <a:p>
-            <a:pPr>
-              <a:lnSpc>
-                <a:spcPct val="100000"/>
-              </a:lnSpc>
-            </a:pPr>
-            <a:endParaRPr b="0" lang="en-GB" sz="1800" spc="-1" strike="noStrike">
-              <a:latin typeface="Arial"/>
-            </a:endParaRPr>
-          </a:p>
-          <a:p>
-            <a:pPr>
-              <a:lnSpc>
-                <a:spcPct val="100000"/>
-              </a:lnSpc>
-            </a:pPr>
-            <a:endParaRPr b="0" lang="en-GB" sz="1800" spc="-1" strike="noStrike">
-              <a:latin typeface="Arial"/>
-            </a:endParaRPr>
-          </a:p>
-          <a:p>
-            <a:pPr>
-              <a:lnSpc>
-                <a:spcPct val="100000"/>
-              </a:lnSpc>
-            </a:pPr>
-            <a:endParaRPr b="0" lang="en-GB" sz="1800" spc="-1" strike="noStrike">
-              <a:latin typeface="Arial"/>
-            </a:endParaRPr>
-          </a:p>
-          <a:p>
-            <a:pPr>
-              <a:lnSpc>
-                <a:spcPct val="100000"/>
-              </a:lnSpc>
-            </a:pPr>
-            <a:endParaRPr b="0" lang="en-GB" sz="1800" spc="-1" strike="noStrike">
+          <a:bodyPr lIns="90000" rIns="90000" tIns="45000" bIns="45000"/>
+          <a:p>
+            <a:pPr>
+              <a:lnSpc>
+                <a:spcPct val="100000"/>
+              </a:lnSpc>
+            </a:pPr>
+            <a:endParaRPr b="0" lang="en-US" sz="1800" spc="-1" strike="noStrike">
+              <a:latin typeface="Arial"/>
+            </a:endParaRPr>
+          </a:p>
+          <a:p>
+            <a:pPr>
+              <a:lnSpc>
+                <a:spcPct val="100000"/>
+              </a:lnSpc>
+            </a:pPr>
+            <a:endParaRPr b="0" lang="en-US" sz="1800" spc="-1" strike="noStrike">
+              <a:latin typeface="Arial"/>
+            </a:endParaRPr>
+          </a:p>
+          <a:p>
+            <a:pPr>
+              <a:lnSpc>
+                <a:spcPct val="100000"/>
+              </a:lnSpc>
+            </a:pPr>
+            <a:endParaRPr b="0" lang="en-US" sz="1800" spc="-1" strike="noStrike">
+              <a:latin typeface="Arial"/>
+            </a:endParaRPr>
+          </a:p>
+          <a:p>
+            <a:pPr>
+              <a:lnSpc>
+                <a:spcPct val="100000"/>
+              </a:lnSpc>
+            </a:pPr>
+            <a:endParaRPr b="0" lang="en-US" sz="1800" spc="-1" strike="noStrike">
               <a:latin typeface="Arial"/>
             </a:endParaRPr>
           </a:p>
@@ -1495,7 +1469,7 @@
       </p:sp>
       <p:pic>
         <p:nvPicPr>
-          <p:cNvPr id="2" name="Google Shape;12;p22" descr="https://lh4.googleusercontent.com/proxy/YA9Xoqs7jhpeuwrEjwhdi_EVSCDwUdpr72V-2YHZ2lz2y1FaqityK8c8RlZRTvUDEw3Y2TekyGNi07wcREil5Ez3ii80dA-DE8G6HAQjEmJVz8W32Wy2uaDAWwuZs6uPZtJp2zrUJ_Qps2T1CUmSpuPR8dk2XA=w128-h144-k-no"/>
+          <p:cNvPr id="2" name="Google Shape;12;p22" descr=""/>
           <p:cNvPicPr/>
           <p:nvPr/>
         </p:nvPicPr>
@@ -1506,7 +1480,7 @@
         <p:spPr>
           <a:xfrm>
             <a:off x="312840" y="152280"/>
-            <a:ext cx="867960" cy="971280"/>
+            <a:ext cx="867600" cy="970920"/>
           </a:xfrm>
           <a:prstGeom prst="rect">
             <a:avLst/>
@@ -1525,7 +1499,7 @@
         <p:spPr>
           <a:xfrm>
             <a:off x="0" y="152280"/>
-            <a:ext cx="1447200" cy="1199520"/>
+            <a:ext cx="1446840" cy="1199160"/>
           </a:xfrm>
           <a:prstGeom prst="rect">
             <a:avLst/>
@@ -1544,46 +1518,44 @@
           <a:fontRef idx="minor"/>
         </p:style>
         <p:txBody>
-          <a:bodyPr lIns="90000" rIns="90000" tIns="45000" bIns="45000">
-            <a:noAutofit/>
-          </a:bodyPr>
-          <a:p>
-            <a:pPr>
-              <a:lnSpc>
-                <a:spcPct val="100000"/>
-              </a:lnSpc>
-            </a:pPr>
-            <a:endParaRPr b="0" lang="en-GB" sz="1800" spc="-1" strike="noStrike">
-              <a:latin typeface="Arial"/>
-            </a:endParaRPr>
-          </a:p>
-          <a:p>
-            <a:pPr>
-              <a:lnSpc>
-                <a:spcPct val="100000"/>
-              </a:lnSpc>
-            </a:pPr>
-            <a:endParaRPr b="0" lang="en-GB" sz="1800" spc="-1" strike="noStrike">
-              <a:latin typeface="Arial"/>
-            </a:endParaRPr>
-          </a:p>
-          <a:p>
-            <a:pPr>
-              <a:lnSpc>
-                <a:spcPct val="100000"/>
-              </a:lnSpc>
-            </a:pPr>
-            <a:endParaRPr b="0" lang="en-GB" sz="1800" spc="-1" strike="noStrike">
-              <a:latin typeface="Arial"/>
-            </a:endParaRPr>
-          </a:p>
-          <a:p>
-            <a:pPr>
-              <a:lnSpc>
-                <a:spcPct val="100000"/>
-              </a:lnSpc>
-            </a:pPr>
-            <a:endParaRPr b="0" lang="en-GB" sz="1800" spc="-1" strike="noStrike">
+          <a:bodyPr lIns="90000" rIns="90000" tIns="45000" bIns="45000"/>
+          <a:p>
+            <a:pPr>
+              <a:lnSpc>
+                <a:spcPct val="100000"/>
+              </a:lnSpc>
+            </a:pPr>
+            <a:endParaRPr b="0" lang="en-US" sz="1800" spc="-1" strike="noStrike">
+              <a:latin typeface="Arial"/>
+            </a:endParaRPr>
+          </a:p>
+          <a:p>
+            <a:pPr>
+              <a:lnSpc>
+                <a:spcPct val="100000"/>
+              </a:lnSpc>
+            </a:pPr>
+            <a:endParaRPr b="0" lang="en-US" sz="1800" spc="-1" strike="noStrike">
+              <a:latin typeface="Arial"/>
+            </a:endParaRPr>
+          </a:p>
+          <a:p>
+            <a:pPr>
+              <a:lnSpc>
+                <a:spcPct val="100000"/>
+              </a:lnSpc>
+            </a:pPr>
+            <a:endParaRPr b="0" lang="en-US" sz="1800" spc="-1" strike="noStrike">
+              <a:latin typeface="Arial"/>
+            </a:endParaRPr>
+          </a:p>
+          <a:p>
+            <a:pPr>
+              <a:lnSpc>
+                <a:spcPct val="100000"/>
+              </a:lnSpc>
+            </a:pPr>
+            <a:endParaRPr b="0" lang="en-US" sz="1800" spc="-1" strike="noStrike">
               <a:latin typeface="Arial"/>
             </a:endParaRPr>
           </a:p>
@@ -1591,7 +1563,7 @@
       </p:sp>
       <p:pic>
         <p:nvPicPr>
-          <p:cNvPr id="4" name="Google Shape;15;p23" descr="https://lh4.googleusercontent.com/proxy/YA9Xoqs7jhpeuwrEjwhdi_EVSCDwUdpr72V-2YHZ2lz2y1FaqityK8c8RlZRTvUDEw3Y2TekyGNi07wcREil5Ez3ii80dA-DE8G6HAQjEmJVz8W32Wy2uaDAWwuZs6uPZtJp2zrUJ_Qps2T1CUmSpuPR8dk2XA=w128-h144-k-no"/>
+          <p:cNvPr id="4" name="Google Shape;15;p23" descr=""/>
           <p:cNvPicPr/>
           <p:nvPr/>
         </p:nvPicPr>
@@ -1602,7 +1574,7 @@
         <p:spPr>
           <a:xfrm>
             <a:off x="179640" y="152280"/>
-            <a:ext cx="867960" cy="971280"/>
+            <a:ext cx="867600" cy="970920"/>
           </a:xfrm>
           <a:prstGeom prst="rect">
             <a:avLst/>
@@ -1625,7 +1597,7 @@
         <p:spPr>
           <a:xfrm>
             <a:off x="7530120" y="1676520"/>
-            <a:ext cx="1599480" cy="5050080"/>
+            <a:ext cx="1599120" cy="5049720"/>
           </a:xfrm>
           <a:prstGeom prst="rect">
             <a:avLst/>
@@ -1648,7 +1620,7 @@
         <p:spPr>
           <a:xfrm>
             <a:off x="1219320" y="152280"/>
-            <a:ext cx="7923960" cy="1073880"/>
+            <a:ext cx="7923600" cy="1073520"/>
           </a:xfrm>
           <a:prstGeom prst="rect">
             <a:avLst/>
@@ -1678,18 +1650,16 @@
           </a:prstGeom>
         </p:spPr>
         <p:txBody>
-          <a:bodyPr lIns="0" rIns="0" tIns="0" bIns="0" anchor="ctr">
-            <a:noAutofit/>
-          </a:bodyPr>
+          <a:bodyPr lIns="0" rIns="0" tIns="0" bIns="0" anchor="ctr"/>
           <a:p>
             <a:pPr algn="ctr"/>
             <a:r>
-              <a:rPr b="0" lang="en-GB" sz="4400" spc="-1" strike="noStrike">
+              <a:rPr b="0" lang="en-US" sz="4400" spc="-1" strike="noStrike">
                 <a:latin typeface="Arial"/>
               </a:rPr>
               <a:t>Click to edit the title text format</a:t>
             </a:r>
-            <a:endParaRPr b="0" lang="en-GB" sz="4400" spc="-1" strike="noStrike">
+            <a:endParaRPr b="0" lang="en-US" sz="4400" spc="-1" strike="noStrike">
               <a:latin typeface="Arial"/>
             </a:endParaRPr>
           </a:p>
@@ -1731,12 +1701,12 @@
               <a:buChar char=""/>
             </a:pPr>
             <a:r>
-              <a:rPr b="0" lang="en-GB" sz="3200" spc="-1" strike="noStrike">
+              <a:rPr b="0" lang="en-US" sz="3200" spc="-1" strike="noStrike">
                 <a:latin typeface="Arial"/>
               </a:rPr>
               <a:t>Click to edit the outline text format</a:t>
             </a:r>
-            <a:endParaRPr b="0" lang="en-GB" sz="3200" spc="-1" strike="noStrike">
+            <a:endParaRPr b="0" lang="en-US" sz="3200" spc="-1" strike="noStrike">
               <a:latin typeface="Arial"/>
             </a:endParaRPr>
           </a:p>
@@ -1753,12 +1723,12 @@
               <a:buChar char=""/>
             </a:pPr>
             <a:r>
-              <a:rPr b="0" lang="en-GB" sz="2800" spc="-1" strike="noStrike">
+              <a:rPr b="0" lang="en-US" sz="2800" spc="-1" strike="noStrike">
                 <a:latin typeface="Arial"/>
               </a:rPr>
               <a:t>Second Outline Level</a:t>
             </a:r>
-            <a:endParaRPr b="0" lang="en-GB" sz="2800" spc="-1" strike="noStrike">
+            <a:endParaRPr b="0" lang="en-US" sz="2800" spc="-1" strike="noStrike">
               <a:latin typeface="Arial"/>
             </a:endParaRPr>
           </a:p>
@@ -1775,12 +1745,12 @@
               <a:buChar char=""/>
             </a:pPr>
             <a:r>
-              <a:rPr b="0" lang="en-GB" sz="2400" spc="-1" strike="noStrike">
+              <a:rPr b="0" lang="en-US" sz="2400" spc="-1" strike="noStrike">
                 <a:latin typeface="Arial"/>
               </a:rPr>
               <a:t>Third Outline Level</a:t>
             </a:r>
-            <a:endParaRPr b="0" lang="en-GB" sz="2400" spc="-1" strike="noStrike">
+            <a:endParaRPr b="0" lang="en-US" sz="2400" spc="-1" strike="noStrike">
               <a:latin typeface="Arial"/>
             </a:endParaRPr>
           </a:p>
@@ -1797,12 +1767,12 @@
               <a:buChar char=""/>
             </a:pPr>
             <a:r>
-              <a:rPr b="0" lang="en-GB" sz="2000" spc="-1" strike="noStrike">
+              <a:rPr b="0" lang="en-US" sz="2000" spc="-1" strike="noStrike">
                 <a:latin typeface="Arial"/>
               </a:rPr>
               <a:t>Fourth Outline Level</a:t>
             </a:r>
-            <a:endParaRPr b="0" lang="en-GB" sz="2000" spc="-1" strike="noStrike">
+            <a:endParaRPr b="0" lang="en-US" sz="2000" spc="-1" strike="noStrike">
               <a:latin typeface="Arial"/>
             </a:endParaRPr>
           </a:p>
@@ -1819,12 +1789,12 @@
               <a:buChar char=""/>
             </a:pPr>
             <a:r>
-              <a:rPr b="0" lang="en-GB" sz="2000" spc="-1" strike="noStrike">
+              <a:rPr b="0" lang="en-US" sz="2000" spc="-1" strike="noStrike">
                 <a:latin typeface="Arial"/>
               </a:rPr>
               <a:t>Fifth Outline Level</a:t>
             </a:r>
-            <a:endParaRPr b="0" lang="en-GB" sz="2000" spc="-1" strike="noStrike">
+            <a:endParaRPr b="0" lang="en-US" sz="2000" spc="-1" strike="noStrike">
               <a:latin typeface="Arial"/>
             </a:endParaRPr>
           </a:p>
@@ -1841,12 +1811,12 @@
               <a:buChar char=""/>
             </a:pPr>
             <a:r>
-              <a:rPr b="0" lang="en-GB" sz="2000" spc="-1" strike="noStrike">
+              <a:rPr b="0" lang="en-US" sz="2000" spc="-1" strike="noStrike">
                 <a:latin typeface="Arial"/>
               </a:rPr>
               <a:t>Sixth Outline Level</a:t>
             </a:r>
-            <a:endParaRPr b="0" lang="en-GB" sz="2000" spc="-1" strike="noStrike">
+            <a:endParaRPr b="0" lang="en-US" sz="2000" spc="-1" strike="noStrike">
               <a:latin typeface="Arial"/>
             </a:endParaRPr>
           </a:p>
@@ -1863,12 +1833,12 @@
               <a:buChar char=""/>
             </a:pPr>
             <a:r>
-              <a:rPr b="0" lang="en-GB" sz="2000" spc="-1" strike="noStrike">
+              <a:rPr b="0" lang="en-US" sz="2000" spc="-1" strike="noStrike">
                 <a:latin typeface="Arial"/>
               </a:rPr>
               <a:t>Seventh Outline Level</a:t>
             </a:r>
-            <a:endParaRPr b="0" lang="en-GB" sz="2000" spc="-1" strike="noStrike">
+            <a:endParaRPr b="0" lang="en-US" sz="2000" spc="-1" strike="noStrike">
               <a:latin typeface="Arial"/>
             </a:endParaRPr>
           </a:p>
@@ -1920,7 +1890,7 @@
         <p:spPr>
           <a:xfrm>
             <a:off x="421560" y="1540080"/>
-            <a:ext cx="8300160" cy="1322640"/>
+            <a:ext cx="8299800" cy="1322280"/>
           </a:xfrm>
           <a:prstGeom prst="rect">
             <a:avLst/>
@@ -1937,9 +1907,7 @@
           <a:fontRef idx="minor"/>
         </p:style>
         <p:txBody>
-          <a:bodyPr lIns="90000" rIns="90000" tIns="45000" bIns="45000">
-            <a:noAutofit/>
-          </a:bodyPr>
+          <a:bodyPr lIns="90000" rIns="90000" tIns="45000" bIns="45000"/>
           <a:p>
             <a:pPr algn="ctr">
               <a:lnSpc>
@@ -1956,7 +1924,7 @@
               </a:rPr>
               <a:t>Department of Computer Science &amp; Engineering</a:t>
             </a:r>
-            <a:endParaRPr b="0" lang="en-GB" sz="2800" spc="-1" strike="noStrike">
+            <a:endParaRPr b="0" lang="en-US" sz="2800" spc="-1" strike="noStrike">
               <a:latin typeface="Arial"/>
             </a:endParaRPr>
           </a:p>
@@ -1966,7 +1934,7 @@
                 <a:spcPct val="100000"/>
               </a:lnSpc>
             </a:pPr>
-            <a:endParaRPr b="0" lang="en-GB" sz="2800" spc="-1" strike="noStrike">
+            <a:endParaRPr b="0" lang="en-US" sz="2800" spc="-1" strike="noStrike">
               <a:latin typeface="Arial"/>
             </a:endParaRPr>
           </a:p>
@@ -1986,7 +1954,7 @@
               </a:rPr>
               <a:t>UE17CS355 – Web Tech II Laboratory</a:t>
             </a:r>
-            <a:endParaRPr b="0" lang="en-GB" sz="3200" spc="-1" strike="noStrike">
+            <a:endParaRPr b="0" lang="en-US" sz="3200" spc="-1" strike="noStrike">
               <a:latin typeface="Arial"/>
             </a:endParaRPr>
           </a:p>
@@ -1996,7 +1964,7 @@
                 <a:spcPct val="100000"/>
               </a:lnSpc>
             </a:pPr>
-            <a:endParaRPr b="0" lang="en-GB" sz="3200" spc="-1" strike="noStrike">
+            <a:endParaRPr b="0" lang="en-US" sz="3200" spc="-1" strike="noStrike">
               <a:latin typeface="Arial"/>
             </a:endParaRPr>
           </a:p>
@@ -2016,7 +1984,7 @@
               </a:rPr>
               <a:t>Project Evaluation</a:t>
             </a:r>
-            <a:endParaRPr b="0" lang="en-GB" sz="4000" spc="-1" strike="noStrike">
+            <a:endParaRPr b="0" lang="en-US" sz="4000" spc="-1" strike="noStrike">
               <a:latin typeface="Arial"/>
             </a:endParaRPr>
           </a:p>
@@ -2031,7 +1999,7 @@
         <p:spPr>
           <a:xfrm>
             <a:off x="411480" y="4719240"/>
-            <a:ext cx="8457480" cy="1371240"/>
+            <a:ext cx="8457120" cy="1370880"/>
           </a:xfrm>
           <a:prstGeom prst="rect">
             <a:avLst/>
@@ -2048,9 +2016,7 @@
           <a:fontRef idx="minor"/>
         </p:style>
         <p:txBody>
-          <a:bodyPr lIns="90000" rIns="90000" tIns="45000" bIns="45000">
-            <a:noAutofit/>
-          </a:bodyPr>
+          <a:bodyPr lIns="90000" rIns="90000" tIns="45000" bIns="45000"/>
           <a:p>
             <a:pPr>
               <a:lnSpc>
@@ -2067,7 +2033,7 @@
               </a:rPr>
               <a:t>Project Title     :  MediaBuff</a:t>
             </a:r>
-            <a:endParaRPr b="0" lang="en-GB" sz="2000" spc="-1" strike="noStrike">
+            <a:endParaRPr b="0" lang="en-US" sz="2000" spc="-1" strike="noStrike">
               <a:latin typeface="Arial"/>
             </a:endParaRPr>
           </a:p>
@@ -2107,7 +2073,7 @@
               </a:rPr>
               <a:t>:  PES1201700231 – Adithya Kiran</a:t>
             </a:r>
-            <a:endParaRPr b="0" lang="en-GB" sz="2000" spc="-1" strike="noStrike">
+            <a:endParaRPr b="0" lang="en-US" sz="2000" spc="-1" strike="noStrike">
               <a:latin typeface="Arial"/>
             </a:endParaRPr>
           </a:p>
@@ -2187,7 +2153,7 @@
               </a:rPr>
               <a:t>PES1201700896 – Chirag P Tubakad</a:t>
             </a:r>
-            <a:endParaRPr b="0" lang="en-GB" sz="2000" spc="-1" strike="noStrike">
+            <a:endParaRPr b="0" lang="en-US" sz="2000" spc="-1" strike="noStrike">
               <a:latin typeface="Arial"/>
             </a:endParaRPr>
           </a:p>
@@ -2267,7 +2233,7 @@
               </a:rPr>
               <a:t>PES1201701090 - Nandakrishna</a:t>
             </a:r>
-            <a:endParaRPr b="0" lang="en-GB" sz="2000" spc="-1" strike="noStrike">
+            <a:endParaRPr b="0" lang="en-US" sz="2000" spc="-1" strike="noStrike">
               <a:latin typeface="Arial"/>
             </a:endParaRPr>
           </a:p>
@@ -2275,14 +2241,33 @@
       </p:sp>
     </p:spTree>
   </p:cSld>
-  <mc:AlternateContent>
-    <mc:Choice Requires="p14">
-      <p:transition spd="slow" p14:dur="2000"/>
-    </mc:Choice>
-    <mc:Fallback>
-      <p:transition spd="slow"/>
-    </mc:Fallback>
-  </mc:AlternateContent>
+  <p:timing>
+    <p:tnLst>
+      <p:par>
+        <p:cTn id="1" dur="indefinite" restart="never" nodeType="tmRoot">
+          <p:childTnLst>
+            <p:seq>
+              <p:cTn id="2" dur="indefinite" nodeType="mainSeq"/>
+              <p:prevCondLst>
+                <p:cond delay="0" evt="onPrev">
+                  <p:tgtEl>
+                    <p:sldTgt/>
+                  </p:tgtEl>
+                </p:cond>
+              </p:prevCondLst>
+              <p:nextCondLst>
+                <p:cond delay="0" evt="onNext">
+                  <p:tgtEl>
+                    <p:sldTgt/>
+                  </p:tgtEl>
+                </p:cond>
+              </p:nextCondLst>
+            </p:seq>
+          </p:childTnLst>
+        </p:cTn>
+      </p:par>
+    </p:tnLst>
+  </p:timing>
 </p:sld>
 </file>
 
@@ -2312,7 +2297,7 @@
         <p:spPr>
           <a:xfrm>
             <a:off x="1523880" y="1581120"/>
-            <a:ext cx="7619400" cy="35640"/>
+            <a:ext cx="7619040" cy="35280"/>
           </a:xfrm>
           <a:prstGeom prst="rect">
             <a:avLst/>
@@ -2340,7 +2325,7 @@
         <p:spPr>
           <a:xfrm>
             <a:off x="2666880" y="1143000"/>
-            <a:ext cx="6476400" cy="460800"/>
+            <a:ext cx="6476040" cy="460440"/>
           </a:xfrm>
           <a:prstGeom prst="rect">
             <a:avLst/>
@@ -2357,11 +2342,9 @@
           <a:fontRef idx="minor"/>
         </p:style>
         <p:txBody>
-          <a:bodyPr lIns="90000" rIns="90000" tIns="45000" bIns="45000">
-            <a:noAutofit/>
-          </a:bodyPr>
-          <a:p>
-            <a:pPr marL="343080" indent="-342360" algn="r">
+          <a:bodyPr lIns="90000" rIns="90000" tIns="45000" bIns="45000"/>
+          <a:p>
+            <a:pPr marL="343080" indent="-342000" algn="r">
               <a:lnSpc>
                 <a:spcPct val="100000"/>
               </a:lnSpc>
@@ -2376,7 +2359,7 @@
               </a:rPr>
               <a:t>Project Description</a:t>
             </a:r>
-            <a:endParaRPr b="0" lang="en-GB" sz="2400" spc="-1" strike="noStrike">
+            <a:endParaRPr b="0" lang="en-US" sz="2400" spc="-1" strike="noStrike">
               <a:latin typeface="Arial"/>
             </a:endParaRPr>
           </a:p>
@@ -2391,7 +2374,7 @@
         <p:spPr>
           <a:xfrm>
             <a:off x="576000" y="2088000"/>
-            <a:ext cx="6407640" cy="3929400"/>
+            <a:ext cx="6407280" cy="3929040"/>
           </a:xfrm>
           <a:prstGeom prst="rect">
             <a:avLst/>
@@ -2408,77 +2391,84 @@
           <a:fontRef idx="minor"/>
         </p:style>
         <p:txBody>
-          <a:bodyPr lIns="90000" rIns="90000" tIns="45000" bIns="45000">
-            <a:noAutofit/>
-          </a:bodyPr>
-          <a:p>
-            <a:pPr>
-              <a:lnSpc>
-                <a:spcPct val="100000"/>
-              </a:lnSpc>
-            </a:pPr>
-            <a:r>
-              <a:rPr b="0" lang="en-GB" sz="1800" spc="-1" strike="noStrike">
+          <a:bodyPr lIns="90000" rIns="90000" tIns="45000" bIns="45000"/>
+          <a:p>
+            <a:pPr>
+              <a:lnSpc>
+                <a:spcPct val="100000"/>
+              </a:lnSpc>
+            </a:pPr>
+            <a:r>
+              <a:rPr b="0" lang="en-US" sz="1800" spc="-1" strike="noStrike">
+                <a:solidFill>
+                  <a:srgbClr val="000000"/>
+                </a:solidFill>
                 <a:latin typeface="Arial"/>
                 <a:ea typeface="PingFang SC"/>
               </a:rPr>
               <a:t>MediaBuff is an attempt at building a fully functional full-stack website. In simple terms it is a website for a repository/database of movies and a collection of news from different domains.</a:t>
             </a:r>
-            <a:endParaRPr b="0" lang="en-GB" sz="1800" spc="-1" strike="noStrike">
-              <a:latin typeface="Arial"/>
-            </a:endParaRPr>
-          </a:p>
-          <a:p>
-            <a:pPr>
-              <a:lnSpc>
-                <a:spcPct val="100000"/>
-              </a:lnSpc>
-            </a:pPr>
-            <a:endParaRPr b="0" lang="en-GB" sz="1800" spc="-1" strike="noStrike">
-              <a:latin typeface="Arial"/>
-            </a:endParaRPr>
-          </a:p>
-          <a:p>
-            <a:pPr>
-              <a:lnSpc>
-                <a:spcPct val="100000"/>
-              </a:lnSpc>
-            </a:pPr>
-            <a:r>
-              <a:rPr b="0" lang="en-GB" sz="1800" spc="-1" strike="noStrike">
+            <a:endParaRPr b="0" lang="en-US" sz="1800" spc="-1" strike="noStrike">
+              <a:latin typeface="Arial"/>
+            </a:endParaRPr>
+          </a:p>
+          <a:p>
+            <a:pPr>
+              <a:lnSpc>
+                <a:spcPct val="100000"/>
+              </a:lnSpc>
+            </a:pPr>
+            <a:endParaRPr b="0" lang="en-US" sz="1800" spc="-1" strike="noStrike">
+              <a:latin typeface="Arial"/>
+            </a:endParaRPr>
+          </a:p>
+          <a:p>
+            <a:pPr>
+              <a:lnSpc>
+                <a:spcPct val="100000"/>
+              </a:lnSpc>
+            </a:pPr>
+            <a:r>
+              <a:rPr b="0" lang="en-US" sz="1800" spc="-1" strike="noStrike">
+                <a:solidFill>
+                  <a:srgbClr val="000000"/>
+                </a:solidFill>
                 <a:latin typeface="Arial"/>
                 <a:ea typeface="PingFang SC"/>
               </a:rPr>
-              <a:t>Any user , once logged in , based on their input will receive a list of recommendation of movies that they might like and are also free to browse through the news articles from different domains like movies , tv series , celebrity news etc. </a:t>
-            </a:r>
-            <a:endParaRPr b="0" lang="en-GB" sz="1800" spc="-1" strike="noStrike">
-              <a:latin typeface="Arial"/>
-            </a:endParaRPr>
-          </a:p>
-          <a:p>
-            <a:pPr>
-              <a:lnSpc>
-                <a:spcPct val="100000"/>
-              </a:lnSpc>
-            </a:pPr>
-            <a:endParaRPr b="0" lang="en-GB" sz="1800" spc="-1" strike="noStrike">
-              <a:latin typeface="Arial"/>
-            </a:endParaRPr>
-          </a:p>
-          <a:p>
-            <a:pPr>
-              <a:lnSpc>
-                <a:spcPct val="100000"/>
-              </a:lnSpc>
-            </a:pPr>
-            <a:r>
-              <a:rPr b="0" lang="en-GB" sz="1800" spc="-1" strike="noStrike">
+              <a:t>Any user, once logged in, based on their input will receive a list of recommendation of movies that they might like and are also free to browse through the news articles from different domains like movies, tv series, celebrity news etc. </a:t>
+            </a:r>
+            <a:endParaRPr b="0" lang="en-US" sz="1800" spc="-1" strike="noStrike">
+              <a:latin typeface="Arial"/>
+            </a:endParaRPr>
+          </a:p>
+          <a:p>
+            <a:pPr>
+              <a:lnSpc>
+                <a:spcPct val="100000"/>
+              </a:lnSpc>
+            </a:pPr>
+            <a:endParaRPr b="0" lang="en-US" sz="1800" spc="-1" strike="noStrike">
+              <a:latin typeface="Arial"/>
+            </a:endParaRPr>
+          </a:p>
+          <a:p>
+            <a:pPr>
+              <a:lnSpc>
+                <a:spcPct val="100000"/>
+              </a:lnSpc>
+            </a:pPr>
+            <a:r>
+              <a:rPr b="0" lang="en-US" sz="1800" spc="-1" strike="noStrike">
+                <a:solidFill>
+                  <a:srgbClr val="000000"/>
+                </a:solidFill>
                 <a:latin typeface="Arial"/>
                 <a:ea typeface="PingFang SC"/>
               </a:rPr>
               <a:t>This project primarily focuses more on using asynchronous techniques to make the website more responsive and dynamic while saving bandwidth on the side. It is more backend functionality enhancement oriented than what meets the eye with the frontend. </a:t>
             </a:r>
-            <a:endParaRPr b="0" lang="en-GB" sz="1800" spc="-1" strike="noStrike">
+            <a:endParaRPr b="0" lang="en-US" sz="1800" spc="-1" strike="noStrike">
               <a:latin typeface="Arial"/>
             </a:endParaRPr>
           </a:p>
@@ -2486,14 +2476,33 @@
       </p:sp>
     </p:spTree>
   </p:cSld>
-  <mc:AlternateContent>
-    <mc:Choice Requires="p14">
-      <p:transition spd="slow" p14:dur="2000"/>
-    </mc:Choice>
-    <mc:Fallback>
-      <p:transition spd="slow"/>
-    </mc:Fallback>
-  </mc:AlternateContent>
+  <p:timing>
+    <p:tnLst>
+      <p:par>
+        <p:cTn id="3" dur="indefinite" restart="never" nodeType="tmRoot">
+          <p:childTnLst>
+            <p:seq>
+              <p:cTn id="4" dur="indefinite" nodeType="mainSeq"/>
+              <p:prevCondLst>
+                <p:cond delay="0" evt="onPrev">
+                  <p:tgtEl>
+                    <p:sldTgt/>
+                  </p:tgtEl>
+                </p:cond>
+              </p:prevCondLst>
+              <p:nextCondLst>
+                <p:cond delay="0" evt="onNext">
+                  <p:tgtEl>
+                    <p:sldTgt/>
+                  </p:tgtEl>
+                </p:cond>
+              </p:nextCondLst>
+            </p:seq>
+          </p:childTnLst>
+        </p:cTn>
+      </p:par>
+    </p:tnLst>
+  </p:timing>
 </p:sld>
 </file>
 
@@ -2523,7 +2532,7 @@
         <p:spPr>
           <a:xfrm>
             <a:off x="1523880" y="1581120"/>
-            <a:ext cx="7619400" cy="35640"/>
+            <a:ext cx="7619040" cy="35280"/>
           </a:xfrm>
           <a:prstGeom prst="rect">
             <a:avLst/>
@@ -2551,7 +2560,7 @@
         <p:spPr>
           <a:xfrm>
             <a:off x="2666880" y="1143000"/>
-            <a:ext cx="6476400" cy="460800"/>
+            <a:ext cx="6476040" cy="460440"/>
           </a:xfrm>
           <a:prstGeom prst="rect">
             <a:avLst/>
@@ -2568,11 +2577,9 @@
           <a:fontRef idx="minor"/>
         </p:style>
         <p:txBody>
-          <a:bodyPr lIns="90000" rIns="90000" tIns="45000" bIns="45000">
-            <a:noAutofit/>
-          </a:bodyPr>
-          <a:p>
-            <a:pPr marL="343080" indent="-342360" algn="r">
+          <a:bodyPr lIns="90000" rIns="90000" tIns="45000" bIns="45000"/>
+          <a:p>
+            <a:pPr marL="343080" indent="-342000" algn="r">
               <a:lnSpc>
                 <a:spcPct val="100000"/>
               </a:lnSpc>
@@ -2587,7 +2594,7 @@
               </a:rPr>
               <a:t>Technologies Used</a:t>
             </a:r>
-            <a:endParaRPr b="0" lang="en-GB" sz="2400" spc="-1" strike="noStrike">
+            <a:endParaRPr b="0" lang="en-US" sz="2400" spc="-1" strike="noStrike">
               <a:latin typeface="Arial"/>
             </a:endParaRPr>
           </a:p>
@@ -2602,7 +2609,7 @@
         <p:spPr>
           <a:xfrm>
             <a:off x="576000" y="2088000"/>
-            <a:ext cx="6407640" cy="2649600"/>
+            <a:ext cx="6407280" cy="2649240"/>
           </a:xfrm>
           <a:prstGeom prst="rect">
             <a:avLst/>
@@ -2619,218 +2626,324 @@
           <a:fontRef idx="minor"/>
         </p:style>
         <p:txBody>
-          <a:bodyPr lIns="90000" rIns="90000" tIns="45000" bIns="45000">
-            <a:noAutofit/>
-          </a:bodyPr>
-          <a:p>
-            <a:pPr>
-              <a:lnSpc>
-                <a:spcPct val="100000"/>
-              </a:lnSpc>
-            </a:pPr>
-            <a:r>
-              <a:rPr b="0" lang="en-GB" sz="1800" spc="-1" strike="noStrike">
-                <a:latin typeface="Arial"/>
-              </a:rPr>
-              <a:t>Some of the technologies used are : </a:t>
-            </a:r>
-            <a:endParaRPr b="0" lang="en-GB" sz="1800" spc="-1" strike="noStrike">
-              <a:latin typeface="Arial"/>
-            </a:endParaRPr>
-          </a:p>
-          <a:p>
-            <a:pPr>
-              <a:lnSpc>
-                <a:spcPct val="100000"/>
-              </a:lnSpc>
-            </a:pPr>
-            <a:endParaRPr b="0" lang="en-GB" sz="1800" spc="-1" strike="noStrike">
-              <a:latin typeface="Arial"/>
-            </a:endParaRPr>
-          </a:p>
-          <a:p>
-            <a:pPr>
-              <a:lnSpc>
-                <a:spcPct val="100000"/>
-              </a:lnSpc>
-            </a:pPr>
-            <a:r>
-              <a:rPr b="0" lang="en-GB" sz="1800" spc="-1" strike="noStrike">
-                <a:latin typeface="Arial"/>
+          <a:bodyPr lIns="90000" rIns="90000" tIns="45000" bIns="45000"/>
+          <a:p>
+            <a:pPr>
+              <a:lnSpc>
+                <a:spcPct val="100000"/>
+              </a:lnSpc>
+            </a:pPr>
+            <a:r>
+              <a:rPr b="0" lang="en-US" sz="1800" spc="-1" strike="noStrike">
+                <a:solidFill>
+                  <a:srgbClr val="000000"/>
+                </a:solidFill>
+                <a:latin typeface="Arial"/>
+                <a:ea typeface="DejaVu Sans"/>
+              </a:rPr>
+              <a:t>Here are some of the technologies we used : </a:t>
+            </a:r>
+            <a:endParaRPr b="0" lang="en-US" sz="1800" spc="-1" strike="noStrike">
+              <a:latin typeface="Arial"/>
+            </a:endParaRPr>
+          </a:p>
+          <a:p>
+            <a:pPr>
+              <a:lnSpc>
+                <a:spcPct val="100000"/>
+              </a:lnSpc>
+            </a:pPr>
+            <a:endParaRPr b="0" lang="en-US" sz="1800" spc="-1" strike="noStrike">
+              <a:latin typeface="Arial"/>
+            </a:endParaRPr>
+          </a:p>
+          <a:p>
+            <a:pPr>
+              <a:lnSpc>
+                <a:spcPct val="100000"/>
+              </a:lnSpc>
+            </a:pPr>
+            <a:r>
+              <a:rPr b="0" lang="en-US" sz="1800" spc="-1" strike="noStrike">
+                <a:solidFill>
+                  <a:srgbClr val="000000"/>
+                </a:solidFill>
+                <a:latin typeface="Arial"/>
+                <a:ea typeface="DejaVu Sans"/>
               </a:rPr>
               <a:t>1) Frontend Framework</a:t>
             </a:r>
-            <a:endParaRPr b="0" lang="en-GB" sz="1800" spc="-1" strike="noStrike">
-              <a:latin typeface="Arial"/>
-            </a:endParaRPr>
-          </a:p>
-          <a:p>
-            <a:pPr>
-              <a:lnSpc>
-                <a:spcPct val="100000"/>
-              </a:lnSpc>
-            </a:pPr>
-            <a:r>
-              <a:rPr b="0" lang="en-GB" sz="1800" spc="-1" strike="noStrike">
-                <a:latin typeface="Arial"/>
+            <a:endParaRPr b="0" lang="en-US" sz="1800" spc="-1" strike="noStrike">
+              <a:latin typeface="Arial"/>
+            </a:endParaRPr>
+          </a:p>
+          <a:p>
+            <a:pPr>
+              <a:lnSpc>
+                <a:spcPct val="100000"/>
+              </a:lnSpc>
+            </a:pPr>
+            <a:r>
+              <a:rPr b="0" lang="en-US" sz="1800" spc="-1" strike="noStrike">
+                <a:solidFill>
+                  <a:srgbClr val="000000"/>
+                </a:solidFill>
+                <a:latin typeface="Arial"/>
+                <a:ea typeface="DejaVu Sans"/>
               </a:rPr>
               <a:t>	</a:t>
             </a:r>
             <a:r>
-              <a:rPr b="0" lang="en-GB" sz="1800" spc="-1" strike="noStrike">
-                <a:latin typeface="Arial"/>
+              <a:rPr b="0" lang="en-US" sz="1800" spc="-1" strike="noStrike">
+                <a:solidFill>
+                  <a:srgbClr val="000000"/>
+                </a:solidFill>
+                <a:latin typeface="Arial"/>
+                <a:ea typeface="DejaVu Sans"/>
               </a:rPr>
               <a:t>a) AngularJS</a:t>
             </a:r>
-            <a:endParaRPr b="0" lang="en-GB" sz="1800" spc="-1" strike="noStrike">
-              <a:latin typeface="Arial"/>
-            </a:endParaRPr>
-          </a:p>
-          <a:p>
-            <a:pPr>
-              <a:lnSpc>
-                <a:spcPct val="100000"/>
-              </a:lnSpc>
-            </a:pPr>
-            <a:r>
-              <a:rPr b="0" lang="en-GB" sz="1800" spc="-1" strike="noStrike">
-                <a:latin typeface="Arial"/>
+            <a:endParaRPr b="0" lang="en-US" sz="1800" spc="-1" strike="noStrike">
+              <a:latin typeface="Arial"/>
+            </a:endParaRPr>
+          </a:p>
+          <a:p>
+            <a:pPr>
+              <a:lnSpc>
+                <a:spcPct val="100000"/>
+              </a:lnSpc>
+            </a:pPr>
+            <a:r>
+              <a:rPr b="0" lang="en-US" sz="1800" spc="-1" strike="noStrike">
+                <a:solidFill>
+                  <a:srgbClr val="000000"/>
+                </a:solidFill>
+                <a:latin typeface="Arial"/>
+                <a:ea typeface="DejaVu Sans"/>
               </a:rPr>
               <a:t>	</a:t>
             </a:r>
             <a:r>
-              <a:rPr b="0" lang="en-GB" sz="1800" spc="-1" strike="noStrike">
-                <a:latin typeface="Arial"/>
+              <a:rPr b="0" lang="en-US" sz="1800" spc="-1" strike="noStrike">
+                <a:solidFill>
+                  <a:srgbClr val="000000"/>
+                </a:solidFill>
+                <a:latin typeface="Arial"/>
+                <a:ea typeface="DejaVu Sans"/>
               </a:rPr>
               <a:t>b) Jquery</a:t>
             </a:r>
-            <a:endParaRPr b="0" lang="en-GB" sz="1800" spc="-1" strike="noStrike">
-              <a:latin typeface="Arial"/>
-            </a:endParaRPr>
-          </a:p>
-          <a:p>
-            <a:pPr>
-              <a:lnSpc>
-                <a:spcPct val="100000"/>
-              </a:lnSpc>
-            </a:pPr>
-            <a:r>
-              <a:rPr b="0" lang="en-GB" sz="1800" spc="-1" strike="noStrike">
-                <a:latin typeface="Arial"/>
+            <a:endParaRPr b="0" lang="en-US" sz="1800" spc="-1" strike="noStrike">
+              <a:latin typeface="Arial"/>
+            </a:endParaRPr>
+          </a:p>
+          <a:p>
+            <a:pPr>
+              <a:lnSpc>
+                <a:spcPct val="100000"/>
+              </a:lnSpc>
+            </a:pPr>
+            <a:r>
+              <a:rPr b="0" lang="en-US" sz="1800" spc="-1" strike="noStrike">
+                <a:solidFill>
+                  <a:srgbClr val="000000"/>
+                </a:solidFill>
+                <a:latin typeface="Arial"/>
+                <a:ea typeface="DejaVu Sans"/>
               </a:rPr>
               <a:t>	</a:t>
             </a:r>
             <a:r>
-              <a:rPr b="0" lang="en-GB" sz="1800" spc="-1" strike="noStrike">
-                <a:latin typeface="Arial"/>
+              <a:rPr b="0" lang="en-US" sz="1800" spc="-1" strike="noStrike">
+                <a:solidFill>
+                  <a:srgbClr val="000000"/>
+                </a:solidFill>
+                <a:latin typeface="Arial"/>
+                <a:ea typeface="DejaVu Sans"/>
               </a:rPr>
               <a:t>c) Bootstrap</a:t>
             </a:r>
-            <a:endParaRPr b="0" lang="en-GB" sz="1800" spc="-1" strike="noStrike">
-              <a:latin typeface="Arial"/>
-            </a:endParaRPr>
-          </a:p>
-          <a:p>
-            <a:pPr>
-              <a:lnSpc>
-                <a:spcPct val="100000"/>
-              </a:lnSpc>
-            </a:pPr>
-            <a:r>
-              <a:rPr b="0" lang="en-GB" sz="1800" spc="-1" strike="noStrike">
-                <a:latin typeface="Arial"/>
+            <a:endParaRPr b="0" lang="en-US" sz="1800" spc="-1" strike="noStrike">
+              <a:latin typeface="Arial"/>
+            </a:endParaRPr>
+          </a:p>
+          <a:p>
+            <a:pPr>
+              <a:lnSpc>
+                <a:spcPct val="100000"/>
+              </a:lnSpc>
+            </a:pPr>
+            <a:r>
+              <a:rPr b="0" lang="en-US" sz="1800" spc="-1" strike="noStrike">
+                <a:solidFill>
+                  <a:srgbClr val="000000"/>
+                </a:solidFill>
+                <a:latin typeface="Arial"/>
+                <a:ea typeface="DejaVu Sans"/>
               </a:rPr>
               <a:t>	</a:t>
             </a:r>
             <a:r>
-              <a:rPr b="0" lang="en-GB" sz="1800" spc="-1" strike="noStrike">
-                <a:latin typeface="Arial"/>
+              <a:rPr b="0" lang="en-US" sz="1800" spc="-1" strike="noStrike">
+                <a:solidFill>
+                  <a:srgbClr val="000000"/>
+                </a:solidFill>
+                <a:latin typeface="Arial"/>
+                <a:ea typeface="DejaVu Sans"/>
               </a:rPr>
               <a:t>d) HTML</a:t>
             </a:r>
-            <a:endParaRPr b="0" lang="en-GB" sz="1800" spc="-1" strike="noStrike">
-              <a:latin typeface="Arial"/>
-            </a:endParaRPr>
-          </a:p>
-          <a:p>
-            <a:pPr>
-              <a:lnSpc>
-                <a:spcPct val="100000"/>
-              </a:lnSpc>
-            </a:pPr>
-            <a:r>
-              <a:rPr b="0" lang="en-GB" sz="1800" spc="-1" strike="noStrike">
-                <a:latin typeface="Arial"/>
+            <a:endParaRPr b="0" lang="en-US" sz="1800" spc="-1" strike="noStrike">
+              <a:latin typeface="Arial"/>
+            </a:endParaRPr>
+          </a:p>
+          <a:p>
+            <a:pPr>
+              <a:lnSpc>
+                <a:spcPct val="100000"/>
+              </a:lnSpc>
+            </a:pPr>
+            <a:r>
+              <a:rPr b="0" lang="en-US" sz="1800" spc="-1" strike="noStrike">
+                <a:solidFill>
+                  <a:srgbClr val="000000"/>
+                </a:solidFill>
+                <a:latin typeface="Arial"/>
+                <a:ea typeface="DejaVu Sans"/>
               </a:rPr>
               <a:t>	</a:t>
             </a:r>
             <a:r>
-              <a:rPr b="0" lang="en-GB" sz="1800" spc="-1" strike="noStrike">
-                <a:latin typeface="Arial"/>
+              <a:rPr b="0" lang="en-US" sz="1800" spc="-1" strike="noStrike">
+                <a:solidFill>
+                  <a:srgbClr val="000000"/>
+                </a:solidFill>
+                <a:latin typeface="Arial"/>
+                <a:ea typeface="DejaVu Sans"/>
               </a:rPr>
               <a:t>e) CSS</a:t>
             </a:r>
-            <a:endParaRPr b="0" lang="en-GB" sz="1800" spc="-1" strike="noStrike">
-              <a:latin typeface="Arial"/>
-            </a:endParaRPr>
-          </a:p>
-          <a:p>
-            <a:pPr>
-              <a:lnSpc>
-                <a:spcPct val="100000"/>
-              </a:lnSpc>
-            </a:pPr>
-            <a:r>
-              <a:rPr b="0" lang="en-GB" sz="1800" spc="-1" strike="noStrike">
-                <a:latin typeface="Arial"/>
+            <a:endParaRPr b="0" lang="en-US" sz="1800" spc="-1" strike="noStrike">
+              <a:latin typeface="Arial"/>
+            </a:endParaRPr>
+          </a:p>
+          <a:p>
+            <a:pPr>
+              <a:lnSpc>
+                <a:spcPct val="100000"/>
+              </a:lnSpc>
+            </a:pPr>
+            <a:endParaRPr b="0" lang="en-US" sz="1800" spc="-1" strike="noStrike">
+              <a:latin typeface="Arial"/>
+            </a:endParaRPr>
+          </a:p>
+          <a:p>
+            <a:pPr>
+              <a:lnSpc>
+                <a:spcPct val="100000"/>
+              </a:lnSpc>
+            </a:pPr>
+            <a:r>
+              <a:rPr b="0" lang="en-US" sz="1800" spc="-1" strike="noStrike">
+                <a:solidFill>
+                  <a:srgbClr val="000000"/>
+                </a:solidFill>
+                <a:latin typeface="Arial"/>
+                <a:ea typeface="DejaVu Sans"/>
               </a:rPr>
               <a:t>2) Backend Framework</a:t>
             </a:r>
-            <a:endParaRPr b="0" lang="en-GB" sz="1800" spc="-1" strike="noStrike">
-              <a:latin typeface="Arial"/>
-            </a:endParaRPr>
-          </a:p>
-          <a:p>
-            <a:pPr>
-              <a:lnSpc>
-                <a:spcPct val="100000"/>
-              </a:lnSpc>
-            </a:pPr>
-            <a:r>
-              <a:rPr b="0" lang="en-GB" sz="1800" spc="-1" strike="noStrike">
-                <a:latin typeface="Arial"/>
+            <a:endParaRPr b="0" lang="en-US" sz="1800" spc="-1" strike="noStrike">
+              <a:latin typeface="Arial"/>
+            </a:endParaRPr>
+          </a:p>
+          <a:p>
+            <a:pPr>
+              <a:lnSpc>
+                <a:spcPct val="100000"/>
+              </a:lnSpc>
+            </a:pPr>
+            <a:r>
+              <a:rPr b="0" lang="en-US" sz="1800" spc="-1" strike="noStrike">
+                <a:solidFill>
+                  <a:srgbClr val="000000"/>
+                </a:solidFill>
+                <a:latin typeface="Arial"/>
+                <a:ea typeface="DejaVu Sans"/>
               </a:rPr>
               <a:t>	</a:t>
             </a:r>
             <a:r>
-              <a:rPr b="0" lang="en-GB" sz="1800" spc="-1" strike="noStrike">
-                <a:latin typeface="Arial"/>
+              <a:rPr b="0" lang="en-US" sz="1800" spc="-1" strike="noStrike">
+                <a:solidFill>
+                  <a:srgbClr val="000000"/>
+                </a:solidFill>
+                <a:latin typeface="Arial"/>
+                <a:ea typeface="DejaVu Sans"/>
               </a:rPr>
               <a:t>a) Flask</a:t>
             </a:r>
-            <a:endParaRPr b="0" lang="en-GB" sz="1800" spc="-1" strike="noStrike">
-              <a:latin typeface="Arial"/>
-            </a:endParaRPr>
-          </a:p>
-          <a:p>
-            <a:pPr>
-              <a:lnSpc>
-                <a:spcPct val="100000"/>
-              </a:lnSpc>
-            </a:pPr>
-            <a:r>
-              <a:rPr b="0" lang="en-GB" sz="1800" spc="-1" strike="noStrike">
-                <a:latin typeface="Arial"/>
+            <a:endParaRPr b="0" lang="en-US" sz="1800" spc="-1" strike="noStrike">
+              <a:latin typeface="Arial"/>
+            </a:endParaRPr>
+          </a:p>
+          <a:p>
+            <a:pPr>
+              <a:lnSpc>
+                <a:spcPct val="100000"/>
+              </a:lnSpc>
+            </a:pPr>
+            <a:r>
+              <a:rPr b="0" lang="en-US" sz="1800" spc="-1" strike="noStrike">
+                <a:solidFill>
+                  <a:srgbClr val="000000"/>
+                </a:solidFill>
+                <a:latin typeface="Arial"/>
+                <a:ea typeface="DejaVu Sans"/>
               </a:rPr>
               <a:t>	</a:t>
             </a:r>
             <a:r>
-              <a:rPr b="0" lang="en-GB" sz="1800" spc="-1" strike="noStrike">
-                <a:latin typeface="Arial"/>
+              <a:rPr b="0" lang="en-US" sz="1800" spc="-1" strike="noStrike">
+                <a:solidFill>
+                  <a:srgbClr val="000000"/>
+                </a:solidFill>
+                <a:latin typeface="Arial"/>
+                <a:ea typeface="DejaVu Sans"/>
               </a:rPr>
               <a:t>b) SQLAlchemy</a:t>
             </a:r>
-            <a:endParaRPr b="0" lang="en-GB" sz="1800" spc="-1" strike="noStrike">
+            <a:endParaRPr b="0" lang="en-US" sz="1800" spc="-1" strike="noStrike">
+              <a:latin typeface="Arial"/>
+            </a:endParaRPr>
+          </a:p>
+          <a:p>
+            <a:pPr>
+              <a:lnSpc>
+                <a:spcPct val="100000"/>
+              </a:lnSpc>
+            </a:pPr>
+            <a:r>
+              <a:rPr b="0" lang="en-US" sz="1800" spc="-1" strike="noStrike">
+                <a:solidFill>
+                  <a:srgbClr val="000000"/>
+                </a:solidFill>
+                <a:latin typeface="Arial"/>
+                <a:ea typeface="DejaVu Sans"/>
+              </a:rPr>
+              <a:t>	</a:t>
+            </a:r>
+            <a:r>
+              <a:rPr b="0" lang="en-US" sz="1800" spc="-1" strike="noStrike">
+                <a:solidFill>
+                  <a:srgbClr val="000000"/>
+                </a:solidFill>
+                <a:latin typeface="Arial"/>
+                <a:ea typeface="DejaVu Sans"/>
+              </a:rPr>
+              <a:t>c) PHP</a:t>
+            </a:r>
+            <a:endParaRPr b="0" lang="en-US" sz="1800" spc="-1" strike="noStrike">
               <a:latin typeface="Arial"/>
             </a:endParaRPr>
           </a:p>
@@ -2838,14 +2951,33 @@
       </p:sp>
     </p:spTree>
   </p:cSld>
-  <mc:AlternateContent>
-    <mc:Choice Requires="p14">
-      <p:transition spd="slow" p14:dur="2000"/>
-    </mc:Choice>
-    <mc:Fallback>
-      <p:transition spd="slow"/>
-    </mc:Fallback>
-  </mc:AlternateContent>
+  <p:timing>
+    <p:tnLst>
+      <p:par>
+        <p:cTn id="5" dur="indefinite" restart="never" nodeType="tmRoot">
+          <p:childTnLst>
+            <p:seq>
+              <p:cTn id="6" dur="indefinite" nodeType="mainSeq"/>
+              <p:prevCondLst>
+                <p:cond delay="0" evt="onPrev">
+                  <p:tgtEl>
+                    <p:sldTgt/>
+                  </p:tgtEl>
+                </p:cond>
+              </p:prevCondLst>
+              <p:nextCondLst>
+                <p:cond delay="0" evt="onNext">
+                  <p:tgtEl>
+                    <p:sldTgt/>
+                  </p:tgtEl>
+                </p:cond>
+              </p:nextCondLst>
+            </p:seq>
+          </p:childTnLst>
+        </p:cTn>
+      </p:par>
+    </p:tnLst>
+  </p:timing>
 </p:sld>
 </file>
 
@@ -2875,7 +3007,7 @@
         <p:spPr>
           <a:xfrm>
             <a:off x="1523880" y="1581120"/>
-            <a:ext cx="7619400" cy="35640"/>
+            <a:ext cx="7619040" cy="35280"/>
           </a:xfrm>
           <a:prstGeom prst="rect">
             <a:avLst/>
@@ -2903,7 +3035,7 @@
         <p:spPr>
           <a:xfrm>
             <a:off x="2666880" y="1143000"/>
-            <a:ext cx="6476400" cy="460800"/>
+            <a:ext cx="6476040" cy="460440"/>
           </a:xfrm>
           <a:prstGeom prst="rect">
             <a:avLst/>
@@ -2920,11 +3052,9 @@
           <a:fontRef idx="minor"/>
         </p:style>
         <p:txBody>
-          <a:bodyPr lIns="90000" rIns="90000" tIns="45000" bIns="45000">
-            <a:noAutofit/>
-          </a:bodyPr>
-          <a:p>
-            <a:pPr marL="343080" indent="-342360" algn="r">
+          <a:bodyPr lIns="90000" rIns="90000" tIns="45000" bIns="45000"/>
+          <a:p>
+            <a:pPr marL="343080" indent="-342000" algn="r">
               <a:lnSpc>
                 <a:spcPct val="100000"/>
               </a:lnSpc>
@@ -2939,7 +3069,7 @@
               </a:rPr>
               <a:t>Techniques Implemented</a:t>
             </a:r>
-            <a:endParaRPr b="0" lang="en-GB" sz="2400" spc="-1" strike="noStrike">
+            <a:endParaRPr b="0" lang="en-US" sz="2400" spc="-1" strike="noStrike">
               <a:latin typeface="Arial"/>
             </a:endParaRPr>
           </a:p>
@@ -2953,8 +3083,8 @@
         </p:nvSpPr>
         <p:spPr>
           <a:xfrm>
-            <a:off x="504000" y="1768680"/>
-            <a:ext cx="6983640" cy="4885200"/>
+            <a:off x="495720" y="1697400"/>
+            <a:ext cx="6983280" cy="4884840"/>
           </a:xfrm>
           <a:prstGeom prst="rect">
             <a:avLst/>
@@ -2971,232 +3101,274 @@
           <a:fontRef idx="minor"/>
         </p:style>
         <p:txBody>
-          <a:bodyPr lIns="90000" rIns="90000" tIns="45000" bIns="45000">
-            <a:noAutofit/>
-          </a:bodyPr>
-          <a:p>
-            <a:pPr>
-              <a:lnSpc>
-                <a:spcPct val="100000"/>
-              </a:lnSpc>
-            </a:pPr>
-            <a:r>
-              <a:rPr b="0" lang="en-GB" sz="1400" spc="-1" strike="noStrike">
-                <a:latin typeface="Arial"/>
+          <a:bodyPr lIns="90000" rIns="90000" tIns="45000" bIns="45000"/>
+          <a:p>
+            <a:pPr>
+              <a:lnSpc>
+                <a:spcPct val="100000"/>
+              </a:lnSpc>
+            </a:pPr>
+            <a:r>
+              <a:rPr b="0" lang="en-US" sz="1400" spc="-1" strike="noStrike">
+                <a:solidFill>
+                  <a:srgbClr val="000000"/>
+                </a:solidFill>
+                <a:latin typeface="Arial"/>
+                <a:ea typeface="DejaVu Sans"/>
               </a:rPr>
               <a:t>Some of the techniques used are : </a:t>
             </a:r>
-            <a:endParaRPr b="0" lang="en-GB" sz="1400" spc="-1" strike="noStrike">
-              <a:latin typeface="Arial"/>
-            </a:endParaRPr>
-          </a:p>
-          <a:p>
-            <a:pPr>
-              <a:lnSpc>
-                <a:spcPct val="100000"/>
-              </a:lnSpc>
-            </a:pPr>
-            <a:r>
-              <a:rPr b="0" lang="en-GB" sz="1400" spc="-1" strike="noStrike">
-                <a:latin typeface="Arial"/>
+            <a:endParaRPr b="0" lang="en-US" sz="1400" spc="-1" strike="noStrike">
+              <a:latin typeface="Arial"/>
+            </a:endParaRPr>
+          </a:p>
+          <a:p>
+            <a:pPr>
+              <a:lnSpc>
+                <a:spcPct val="100000"/>
+              </a:lnSpc>
+            </a:pPr>
+            <a:r>
+              <a:rPr b="0" lang="en-US" sz="1400" spc="-1" strike="noStrike">
+                <a:solidFill>
+                  <a:srgbClr val="000000"/>
+                </a:solidFill>
+                <a:latin typeface="Arial"/>
+                <a:ea typeface="DejaVu Sans"/>
               </a:rPr>
               <a:t>1) AJAX patterns : Submission throttling using XHR </a:t>
             </a:r>
-            <a:endParaRPr b="0" lang="en-GB" sz="1400" spc="-1" strike="noStrike">
-              <a:latin typeface="Arial"/>
-            </a:endParaRPr>
-          </a:p>
-          <a:p>
-            <a:pPr>
-              <a:lnSpc>
-                <a:spcPct val="100000"/>
-              </a:lnSpc>
-            </a:pPr>
-            <a:r>
-              <a:rPr b="0" lang="en-GB" sz="1400" spc="-1" strike="noStrike">
-                <a:latin typeface="Arial"/>
+            <a:endParaRPr b="0" lang="en-US" sz="1400" spc="-1" strike="noStrike">
+              <a:latin typeface="Arial"/>
+            </a:endParaRPr>
+          </a:p>
+          <a:p>
+            <a:pPr>
+              <a:lnSpc>
+                <a:spcPct val="100000"/>
+              </a:lnSpc>
+            </a:pPr>
+            <a:r>
+              <a:rPr b="0" lang="en-US" sz="1400" spc="-1" strike="noStrike">
+                <a:solidFill>
+                  <a:srgbClr val="000000"/>
+                </a:solidFill>
+                <a:latin typeface="Arial"/>
+                <a:ea typeface="DejaVu Sans"/>
               </a:rPr>
               <a:t>This is a important component because it enabled us to implement the search functionality and fetch results from the server asynchronously without the user having to refresh the page for individual suggestions</a:t>
             </a:r>
-            <a:endParaRPr b="0" lang="en-GB" sz="1400" spc="-1" strike="noStrike">
-              <a:latin typeface="Arial"/>
-            </a:endParaRPr>
-          </a:p>
-          <a:p>
-            <a:pPr>
-              <a:lnSpc>
-                <a:spcPct val="100000"/>
-              </a:lnSpc>
-            </a:pPr>
-            <a:endParaRPr b="0" lang="en-GB" sz="1400" spc="-1" strike="noStrike">
-              <a:latin typeface="Arial"/>
-            </a:endParaRPr>
-          </a:p>
-          <a:p>
-            <a:pPr>
-              <a:lnSpc>
-                <a:spcPct val="100000"/>
-              </a:lnSpc>
-            </a:pPr>
-            <a:r>
-              <a:rPr b="0" lang="en-GB" sz="1400" spc="-1" strike="noStrike">
-                <a:latin typeface="Arial"/>
+            <a:endParaRPr b="0" lang="en-US" sz="1400" spc="-1" strike="noStrike">
+              <a:latin typeface="Arial"/>
+            </a:endParaRPr>
+          </a:p>
+          <a:p>
+            <a:pPr>
+              <a:lnSpc>
+                <a:spcPct val="100000"/>
+              </a:lnSpc>
+            </a:pPr>
+            <a:endParaRPr b="0" lang="en-US" sz="1400" spc="-1" strike="noStrike">
+              <a:latin typeface="Arial"/>
+            </a:endParaRPr>
+          </a:p>
+          <a:p>
+            <a:pPr>
+              <a:lnSpc>
+                <a:spcPct val="100000"/>
+              </a:lnSpc>
+            </a:pPr>
+            <a:r>
+              <a:rPr b="0" lang="en-US" sz="1400" spc="-1" strike="noStrike">
+                <a:solidFill>
+                  <a:srgbClr val="000000"/>
+                </a:solidFill>
+                <a:latin typeface="Arial"/>
+                <a:ea typeface="DejaVu Sans"/>
               </a:rPr>
               <a:t>2) RESTful API’s</a:t>
             </a:r>
-            <a:endParaRPr b="0" lang="en-GB" sz="1400" spc="-1" strike="noStrike">
-              <a:latin typeface="Arial"/>
-            </a:endParaRPr>
-          </a:p>
-          <a:p>
-            <a:pPr>
-              <a:lnSpc>
-                <a:spcPct val="100000"/>
-              </a:lnSpc>
-            </a:pPr>
-            <a:r>
-              <a:rPr b="0" lang="en-GB" sz="1400" spc="-1" strike="noStrike">
-                <a:latin typeface="Arial"/>
+            <a:endParaRPr b="0" lang="en-US" sz="1400" spc="-1" strike="noStrike">
+              <a:latin typeface="Arial"/>
+            </a:endParaRPr>
+          </a:p>
+          <a:p>
+            <a:pPr>
+              <a:lnSpc>
+                <a:spcPct val="100000"/>
+              </a:lnSpc>
+            </a:pPr>
+            <a:r>
+              <a:rPr b="0" lang="en-US" sz="1400" spc="-1" strike="noStrike">
+                <a:solidFill>
+                  <a:srgbClr val="000000"/>
+                </a:solidFill>
+                <a:latin typeface="Arial"/>
+                <a:ea typeface="DejaVu Sans"/>
               </a:rPr>
               <a:t>To create HTTP requests such as GET,POST,PUT to manipulate data or fetch resources.</a:t>
             </a:r>
-            <a:endParaRPr b="0" lang="en-GB" sz="1400" spc="-1" strike="noStrike">
-              <a:latin typeface="Arial"/>
-            </a:endParaRPr>
-          </a:p>
-          <a:p>
-            <a:pPr>
-              <a:lnSpc>
-                <a:spcPct val="100000"/>
-              </a:lnSpc>
-            </a:pPr>
-            <a:endParaRPr b="0" lang="en-GB" sz="1400" spc="-1" strike="noStrike">
-              <a:latin typeface="Arial"/>
-            </a:endParaRPr>
-          </a:p>
-          <a:p>
-            <a:pPr>
-              <a:lnSpc>
-                <a:spcPct val="100000"/>
-              </a:lnSpc>
-            </a:pPr>
-            <a:r>
-              <a:rPr b="0" lang="en-GB" sz="1400" spc="-1" strike="noStrike">
-                <a:latin typeface="Arial"/>
+            <a:endParaRPr b="0" lang="en-US" sz="1400" spc="-1" strike="noStrike">
+              <a:latin typeface="Arial"/>
+            </a:endParaRPr>
+          </a:p>
+          <a:p>
+            <a:pPr>
+              <a:lnSpc>
+                <a:spcPct val="100000"/>
+              </a:lnSpc>
+            </a:pPr>
+            <a:endParaRPr b="0" lang="en-US" sz="1400" spc="-1" strike="noStrike">
+              <a:latin typeface="Arial"/>
+            </a:endParaRPr>
+          </a:p>
+          <a:p>
+            <a:pPr>
+              <a:lnSpc>
+                <a:spcPct val="100000"/>
+              </a:lnSpc>
+            </a:pPr>
+            <a:r>
+              <a:rPr b="0" lang="en-US" sz="1400" spc="-1" strike="noStrike">
+                <a:solidFill>
+                  <a:srgbClr val="000000"/>
+                </a:solidFill>
+                <a:latin typeface="Arial"/>
+                <a:ea typeface="DejaVu Sans"/>
               </a:rPr>
               <a:t>3) RSS</a:t>
             </a:r>
-            <a:endParaRPr b="0" lang="en-GB" sz="1400" spc="-1" strike="noStrike">
-              <a:latin typeface="Arial"/>
-            </a:endParaRPr>
-          </a:p>
-          <a:p>
-            <a:pPr>
-              <a:lnSpc>
-                <a:spcPct val="100000"/>
-              </a:lnSpc>
-            </a:pPr>
-            <a:r>
-              <a:rPr b="0" lang="en-GB" sz="1400" spc="-1" strike="noStrike">
-                <a:latin typeface="Arial"/>
+            <a:endParaRPr b="0" lang="en-US" sz="1400" spc="-1" strike="noStrike">
+              <a:latin typeface="Arial"/>
+            </a:endParaRPr>
+          </a:p>
+          <a:p>
+            <a:pPr>
+              <a:lnSpc>
+                <a:spcPct val="100000"/>
+              </a:lnSpc>
+            </a:pPr>
+            <a:r>
+              <a:rPr b="0" lang="en-US" sz="1400" spc="-1" strike="noStrike">
+                <a:solidFill>
+                  <a:srgbClr val="000000"/>
+                </a:solidFill>
+                <a:latin typeface="Arial"/>
+                <a:ea typeface="DejaVu Sans"/>
               </a:rPr>
               <a:t>RSS feeds enables us to create generic webpages which fetch data from the RSS feeds and create dynamic content on the fly</a:t>
             </a:r>
-            <a:endParaRPr b="0" lang="en-GB" sz="1400" spc="-1" strike="noStrike">
-              <a:latin typeface="Arial"/>
-            </a:endParaRPr>
-          </a:p>
-          <a:p>
-            <a:pPr>
-              <a:lnSpc>
-                <a:spcPct val="100000"/>
-              </a:lnSpc>
-            </a:pPr>
-            <a:endParaRPr b="0" lang="en-GB" sz="1400" spc="-1" strike="noStrike">
-              <a:latin typeface="Arial"/>
-            </a:endParaRPr>
-          </a:p>
-          <a:p>
-            <a:pPr>
-              <a:lnSpc>
-                <a:spcPct val="100000"/>
-              </a:lnSpc>
-            </a:pPr>
-            <a:r>
-              <a:rPr b="0" lang="en-GB" sz="1400" spc="-1" strike="noStrike">
-                <a:latin typeface="Arial"/>
+            <a:endParaRPr b="0" lang="en-US" sz="1400" spc="-1" strike="noStrike">
+              <a:latin typeface="Arial"/>
+            </a:endParaRPr>
+          </a:p>
+          <a:p>
+            <a:pPr>
+              <a:lnSpc>
+                <a:spcPct val="100000"/>
+              </a:lnSpc>
+            </a:pPr>
+            <a:endParaRPr b="0" lang="en-US" sz="1400" spc="-1" strike="noStrike">
+              <a:latin typeface="Arial"/>
+            </a:endParaRPr>
+          </a:p>
+          <a:p>
+            <a:pPr>
+              <a:lnSpc>
+                <a:spcPct val="100000"/>
+              </a:lnSpc>
+            </a:pPr>
+            <a:r>
+              <a:rPr b="0" lang="en-US" sz="1400" spc="-1" strike="noStrike">
+                <a:solidFill>
+                  <a:srgbClr val="000000"/>
+                </a:solidFill>
+                <a:latin typeface="Arial"/>
+                <a:ea typeface="DejaVu Sans"/>
               </a:rPr>
               <a:t>4) Dynamic page creation</a:t>
             </a:r>
-            <a:endParaRPr b="0" lang="en-GB" sz="1400" spc="-1" strike="noStrike">
-              <a:latin typeface="Arial"/>
-            </a:endParaRPr>
-          </a:p>
-          <a:p>
-            <a:pPr>
-              <a:lnSpc>
-                <a:spcPct val="100000"/>
-              </a:lnSpc>
-            </a:pPr>
-            <a:r>
-              <a:rPr b="0" lang="en-GB" sz="1400" spc="-1" strike="noStrike">
-                <a:latin typeface="Arial"/>
+            <a:endParaRPr b="0" lang="en-US" sz="1400" spc="-1" strike="noStrike">
+              <a:latin typeface="Arial"/>
+            </a:endParaRPr>
+          </a:p>
+          <a:p>
+            <a:pPr>
+              <a:lnSpc>
+                <a:spcPct val="100000"/>
+              </a:lnSpc>
+            </a:pPr>
+            <a:r>
+              <a:rPr b="0" lang="en-US" sz="1400" spc="-1" strike="noStrike">
+                <a:solidFill>
+                  <a:srgbClr val="000000"/>
+                </a:solidFill>
+                <a:latin typeface="Arial"/>
+                <a:ea typeface="DejaVu Sans"/>
               </a:rPr>
               <a:t>For our website with a dataset having 5000+ movies , it is impossible to create a webpage for each of them manually. We found out a way to create dynamic webpages which conditionally fetches content from the dataset.</a:t>
             </a:r>
-            <a:endParaRPr b="0" lang="en-GB" sz="1400" spc="-1" strike="noStrike">
-              <a:latin typeface="Arial"/>
-            </a:endParaRPr>
-          </a:p>
-          <a:p>
-            <a:pPr>
-              <a:lnSpc>
-                <a:spcPct val="100000"/>
-              </a:lnSpc>
-            </a:pPr>
-            <a:endParaRPr b="0" lang="en-GB" sz="1400" spc="-1" strike="noStrike">
-              <a:latin typeface="Arial"/>
-            </a:endParaRPr>
-          </a:p>
-          <a:p>
-            <a:pPr>
-              <a:lnSpc>
-                <a:spcPct val="100000"/>
-              </a:lnSpc>
-            </a:pPr>
-            <a:r>
-              <a:rPr b="0" lang="en-GB" sz="1400" spc="-1" strike="noStrike">
-                <a:latin typeface="Arial"/>
+            <a:endParaRPr b="0" lang="en-US" sz="1400" spc="-1" strike="noStrike">
+              <a:latin typeface="Arial"/>
+            </a:endParaRPr>
+          </a:p>
+          <a:p>
+            <a:pPr>
+              <a:lnSpc>
+                <a:spcPct val="100000"/>
+              </a:lnSpc>
+            </a:pPr>
+            <a:endParaRPr b="0" lang="en-US" sz="1400" spc="-1" strike="noStrike">
+              <a:latin typeface="Arial"/>
+            </a:endParaRPr>
+          </a:p>
+          <a:p>
+            <a:pPr>
+              <a:lnSpc>
+                <a:spcPct val="100000"/>
+              </a:lnSpc>
+            </a:pPr>
+            <a:r>
+              <a:rPr b="0" lang="en-US" sz="1400" spc="-1" strike="noStrike">
+                <a:solidFill>
+                  <a:srgbClr val="000000"/>
+                </a:solidFill>
+                <a:latin typeface="Arial"/>
+                <a:ea typeface="DejaVu Sans"/>
               </a:rPr>
               <a:t>5) Content caching</a:t>
             </a:r>
-            <a:endParaRPr b="0" lang="en-GB" sz="1400" spc="-1" strike="noStrike">
-              <a:latin typeface="Arial"/>
-            </a:endParaRPr>
-          </a:p>
-          <a:p>
-            <a:pPr>
-              <a:lnSpc>
-                <a:spcPct val="100000"/>
-              </a:lnSpc>
-            </a:pPr>
-            <a:r>
-              <a:rPr b="0" lang="en-GB" sz="1400" spc="-1" strike="noStrike">
-                <a:latin typeface="Arial"/>
+            <a:endParaRPr b="0" lang="en-US" sz="1400" spc="-1" strike="noStrike">
+              <a:latin typeface="Arial"/>
+            </a:endParaRPr>
+          </a:p>
+          <a:p>
+            <a:pPr>
+              <a:lnSpc>
+                <a:spcPct val="100000"/>
+              </a:lnSpc>
+            </a:pPr>
+            <a:r>
+              <a:rPr b="0" lang="en-US" sz="1400" spc="-1" strike="noStrike">
+                <a:solidFill>
+                  <a:srgbClr val="000000"/>
+                </a:solidFill>
+                <a:latin typeface="Arial"/>
+                <a:ea typeface="DejaVu Sans"/>
               </a:rPr>
               <a:t>When performing searches , a lot of bandwidth is wasted if multiple requests/searches for the same resource is made. Results are every time cached and subsequent requests for the same resource is fetched from cache. </a:t>
             </a:r>
-            <a:endParaRPr b="0" lang="en-GB" sz="1400" spc="-1" strike="noStrike">
-              <a:latin typeface="Arial"/>
-            </a:endParaRPr>
-          </a:p>
-          <a:p>
-            <a:pPr>
-              <a:lnSpc>
-                <a:spcPct val="100000"/>
-              </a:lnSpc>
-            </a:pPr>
-            <a:endParaRPr b="0" lang="en-GB" sz="1400" spc="-1" strike="noStrike">
+            <a:endParaRPr b="0" lang="en-US" sz="1400" spc="-1" strike="noStrike">
+              <a:latin typeface="Arial"/>
+            </a:endParaRPr>
+          </a:p>
+          <a:p>
+            <a:pPr>
+              <a:lnSpc>
+                <a:spcPct val="100000"/>
+              </a:lnSpc>
+            </a:pPr>
+            <a:endParaRPr b="0" lang="en-US" sz="1400" spc="-1" strike="noStrike">
               <a:latin typeface="Arial"/>
             </a:endParaRPr>
           </a:p>
@@ -3204,14 +3376,33 @@
       </p:sp>
     </p:spTree>
   </p:cSld>
-  <mc:AlternateContent>
-    <mc:Choice Requires="p14">
-      <p:transition spd="slow" p14:dur="2000"/>
-    </mc:Choice>
-    <mc:Fallback>
-      <p:transition spd="slow"/>
-    </mc:Fallback>
-  </mc:AlternateContent>
+  <p:timing>
+    <p:tnLst>
+      <p:par>
+        <p:cTn id="7" dur="indefinite" restart="never" nodeType="tmRoot">
+          <p:childTnLst>
+            <p:seq>
+              <p:cTn id="8" dur="indefinite" nodeType="mainSeq"/>
+              <p:prevCondLst>
+                <p:cond delay="0" evt="onPrev">
+                  <p:tgtEl>
+                    <p:sldTgt/>
+                  </p:tgtEl>
+                </p:cond>
+              </p:prevCondLst>
+              <p:nextCondLst>
+                <p:cond delay="0" evt="onNext">
+                  <p:tgtEl>
+                    <p:sldTgt/>
+                  </p:tgtEl>
+                </p:cond>
+              </p:nextCondLst>
+            </p:seq>
+          </p:childTnLst>
+        </p:cTn>
+      </p:par>
+    </p:tnLst>
+  </p:timing>
 </p:sld>
 </file>
 
@@ -3241,7 +3432,7 @@
         <p:spPr>
           <a:xfrm>
             <a:off x="1523880" y="1581120"/>
-            <a:ext cx="7619400" cy="35640"/>
+            <a:ext cx="7619040" cy="35280"/>
           </a:xfrm>
           <a:prstGeom prst="rect">
             <a:avLst/>
@@ -3269,7 +3460,7 @@
         <p:spPr>
           <a:xfrm>
             <a:off x="2666880" y="1143000"/>
-            <a:ext cx="6476400" cy="460800"/>
+            <a:ext cx="6476040" cy="460440"/>
           </a:xfrm>
           <a:prstGeom prst="rect">
             <a:avLst/>
@@ -3286,11 +3477,9 @@
           <a:fontRef idx="minor"/>
         </p:style>
         <p:txBody>
-          <a:bodyPr lIns="90000" rIns="90000" tIns="45000" bIns="45000">
-            <a:noAutofit/>
-          </a:bodyPr>
-          <a:p>
-            <a:pPr marL="343080" indent="-342360" algn="r">
+          <a:bodyPr lIns="90000" rIns="90000" tIns="45000" bIns="45000"/>
+          <a:p>
+            <a:pPr marL="343080" indent="-342000" algn="r">
               <a:lnSpc>
                 <a:spcPct val="100000"/>
               </a:lnSpc>
@@ -3305,7 +3494,239 @@
               </a:rPr>
               <a:t>Intelligent Functionality</a:t>
             </a:r>
-            <a:endParaRPr b="0" lang="en-GB" sz="2400" spc="-1" strike="noStrike">
+            <a:endParaRPr b="0" lang="en-US" sz="2400" spc="-1" strike="noStrike">
+              <a:latin typeface="Arial"/>
+            </a:endParaRPr>
+          </a:p>
+        </p:txBody>
+      </p:sp>
+      <p:sp>
+        <p:nvSpPr>
+          <p:cNvPr id="58" name="TextShape 3"/>
+          <p:cNvSpPr txBox="1"/>
+          <p:nvPr/>
+        </p:nvSpPr>
+        <p:spPr>
+          <a:xfrm>
+            <a:off x="365760" y="1677960"/>
+            <a:ext cx="6949440" cy="4953600"/>
+          </a:xfrm>
+          <a:prstGeom prst="rect">
+            <a:avLst/>
+          </a:prstGeom>
+          <a:noFill/>
+          <a:ln>
+            <a:noFill/>
+          </a:ln>
+        </p:spPr>
+        <p:txBody>
+          <a:bodyPr lIns="90000" rIns="90000" tIns="45000" bIns="45000"/>
+          <a:p>
+            <a:r>
+              <a:rPr b="0" lang="en-US" sz="1800" spc="-1" strike="noStrike">
+                <a:latin typeface="Arial"/>
+              </a:rPr>
+              <a:t>The special feature we have added, is a </a:t>
+            </a:r>
+            <a:r>
+              <a:rPr b="1" lang="en-US" sz="1800" spc="-1" strike="noStrike">
+                <a:latin typeface="Arial"/>
+              </a:rPr>
+              <a:t>movie recommendation system</a:t>
+            </a:r>
+            <a:r>
+              <a:rPr b="0" lang="en-US" sz="1800" spc="-1" strike="noStrike">
+                <a:latin typeface="Arial"/>
+              </a:rPr>
+              <a:t> based on users requirements, and movie similarities.</a:t>
+            </a:r>
+            <a:endParaRPr b="0" lang="en-US" sz="1800" spc="-1" strike="noStrike">
+              <a:latin typeface="Arial"/>
+            </a:endParaRPr>
+          </a:p>
+          <a:p>
+            <a:endParaRPr b="0" lang="en-US" sz="1800" spc="-1" strike="noStrike">
+              <a:latin typeface="Arial"/>
+            </a:endParaRPr>
+          </a:p>
+          <a:p>
+            <a:r>
+              <a:rPr b="0" lang="en-US" sz="1800" spc="-1" strike="noStrike">
+                <a:latin typeface="Arial"/>
+              </a:rPr>
+              <a:t>The recommendation system is based on </a:t>
+            </a:r>
+            <a:r>
+              <a:rPr b="1" lang="en-US" sz="1800" spc="-1" strike="noStrike">
+                <a:latin typeface="Arial"/>
+              </a:rPr>
+              <a:t>collaborative filtering</a:t>
+            </a:r>
+            <a:r>
+              <a:rPr b="0" lang="en-US" sz="1800" spc="-1" strike="noStrike">
+                <a:latin typeface="Arial"/>
+              </a:rPr>
+              <a:t>.</a:t>
+            </a:r>
+            <a:endParaRPr b="0" lang="en-US" sz="1800" spc="-1" strike="noStrike">
+              <a:latin typeface="Arial"/>
+            </a:endParaRPr>
+          </a:p>
+          <a:p>
+            <a:endParaRPr b="0" lang="en-US" sz="1800" spc="-1" strike="noStrike">
+              <a:latin typeface="Arial"/>
+            </a:endParaRPr>
+          </a:p>
+          <a:p>
+            <a:r>
+              <a:rPr b="0" lang="en-US" sz="1800" spc="-1" strike="noStrike">
+                <a:latin typeface="Arial"/>
+              </a:rPr>
+              <a:t>There are two types of collaborative filtering employed : </a:t>
+            </a:r>
+            <a:endParaRPr b="0" lang="en-US" sz="1800" spc="-1" strike="noStrike">
+              <a:latin typeface="Arial"/>
+            </a:endParaRPr>
+          </a:p>
+          <a:p>
+            <a:endParaRPr b="0" lang="en-US" sz="1800" spc="-1" strike="noStrike">
+              <a:latin typeface="Arial"/>
+            </a:endParaRPr>
+          </a:p>
+          <a:p>
+            <a:r>
+              <a:rPr b="0" lang="en-US" sz="1800" spc="-1" strike="noStrike">
+                <a:latin typeface="Arial"/>
+              </a:rPr>
+              <a:t>1) Movie recommendations based on user preferences : </a:t>
+            </a:r>
+            <a:endParaRPr b="0" lang="en-US" sz="1800" spc="-1" strike="noStrike">
+              <a:latin typeface="Arial"/>
+            </a:endParaRPr>
+          </a:p>
+          <a:p>
+            <a:r>
+              <a:rPr b="0" lang="en-US" sz="1800" spc="-1" strike="noStrike">
+                <a:latin typeface="Arial"/>
+              </a:rPr>
+              <a:t>	</a:t>
+            </a:r>
+            <a:r>
+              <a:rPr b="0" lang="en-US" sz="1800" spc="-1" strike="noStrike">
+                <a:latin typeface="Arial"/>
+              </a:rPr>
+              <a:t>This is done by calculating </a:t>
+            </a:r>
+            <a:r>
+              <a:rPr b="1" lang="en-US" sz="1800" spc="-1" strike="noStrike">
+                <a:latin typeface="Arial"/>
+              </a:rPr>
+              <a:t>user-item</a:t>
+            </a:r>
+            <a:r>
+              <a:rPr b="0" lang="en-US" sz="1800" spc="-1" strike="noStrike">
+                <a:latin typeface="Arial"/>
+              </a:rPr>
+              <a:t> similarity scores, and </a:t>
+            </a:r>
+            <a:r>
+              <a:rPr b="0" lang="en-US" sz="1800" spc="-1" strike="noStrike">
+                <a:latin typeface="Arial"/>
+              </a:rPr>
+              <a:t>	</a:t>
+            </a:r>
+            <a:r>
+              <a:rPr b="0" lang="en-US" sz="1800" spc="-1" strike="noStrike">
+                <a:latin typeface="Arial"/>
+              </a:rPr>
+              <a:t>returning the movies that best match users preferences.</a:t>
+            </a:r>
+            <a:endParaRPr b="0" lang="en-US" sz="1800" spc="-1" strike="noStrike">
+              <a:latin typeface="Arial"/>
+            </a:endParaRPr>
+          </a:p>
+          <a:p>
+            <a:endParaRPr b="0" lang="en-US" sz="1800" spc="-1" strike="noStrike">
+              <a:latin typeface="Arial"/>
+            </a:endParaRPr>
+          </a:p>
+          <a:p>
+            <a:r>
+              <a:rPr b="0" lang="en-US" sz="1800" spc="-1" strike="noStrike">
+                <a:latin typeface="Arial"/>
+              </a:rPr>
+              <a:t>2) Movie recommendations based on a movie:</a:t>
+            </a:r>
+            <a:endParaRPr b="0" lang="en-US" sz="1800" spc="-1" strike="noStrike">
+              <a:latin typeface="Arial"/>
+            </a:endParaRPr>
+          </a:p>
+          <a:p>
+            <a:r>
+              <a:rPr b="0" lang="en-US" sz="1800" spc="-1" strike="noStrike">
+                <a:latin typeface="Arial"/>
+              </a:rPr>
+              <a:t>	</a:t>
+            </a:r>
+            <a:r>
+              <a:rPr b="0" lang="en-US" sz="1800" spc="-1" strike="noStrike">
+                <a:latin typeface="Arial"/>
+              </a:rPr>
+              <a:t>This is done by calculating </a:t>
+            </a:r>
+            <a:r>
+              <a:rPr b="1" lang="en-US" sz="1800" spc="-1" strike="noStrike">
+                <a:latin typeface="Arial"/>
+              </a:rPr>
+              <a:t>item-item</a:t>
+            </a:r>
+            <a:r>
+              <a:rPr b="0" lang="en-US" sz="1800" spc="-1" strike="noStrike">
+                <a:latin typeface="Arial"/>
+              </a:rPr>
+              <a:t> similarity scores, and </a:t>
+            </a:r>
+            <a:r>
+              <a:rPr b="0" lang="en-US" sz="1800" spc="-1" strike="noStrike">
+                <a:latin typeface="Arial"/>
+              </a:rPr>
+              <a:t>	</a:t>
+            </a:r>
+            <a:r>
+              <a:rPr b="0" lang="en-US" sz="1800" spc="-1" strike="noStrike">
+                <a:latin typeface="Arial"/>
+              </a:rPr>
+              <a:t>returning the movies that are most similar to that particular </a:t>
+            </a:r>
+            <a:r>
+              <a:rPr b="0" lang="en-US" sz="1800" spc="-1" strike="noStrike">
+                <a:latin typeface="Arial"/>
+              </a:rPr>
+              <a:t>	</a:t>
+            </a:r>
+            <a:r>
+              <a:rPr b="0" lang="en-US" sz="1800" spc="-1" strike="noStrike">
+                <a:latin typeface="Arial"/>
+              </a:rPr>
+              <a:t>movie.</a:t>
+            </a:r>
+            <a:endParaRPr b="0" lang="en-US" sz="1800" spc="-1" strike="noStrike">
+              <a:latin typeface="Arial"/>
+            </a:endParaRPr>
+          </a:p>
+          <a:p>
+            <a:endParaRPr b="0" lang="en-US" sz="1800" spc="-1" strike="noStrike">
+              <a:latin typeface="Arial"/>
+            </a:endParaRPr>
+          </a:p>
+          <a:p>
+            <a:r>
+              <a:rPr b="0" lang="en-US" sz="1800" spc="-1" strike="noStrike">
+                <a:latin typeface="Arial"/>
+              </a:rPr>
+              <a:t>The similarity scores are a modified version of cosine scores, to distribute weight-age on the importance of movie genre, actors, directors, imdb scores, language,etc.</a:t>
+            </a:r>
+            <a:endParaRPr b="0" lang="en-US" sz="1800" spc="-1" strike="noStrike">
               <a:latin typeface="Arial"/>
             </a:endParaRPr>
           </a:p>
@@ -3313,14 +3734,33 @@
       </p:sp>
     </p:spTree>
   </p:cSld>
-  <mc:AlternateContent>
-    <mc:Choice Requires="p14">
-      <p:transition spd="slow" p14:dur="2000"/>
-    </mc:Choice>
-    <mc:Fallback>
-      <p:transition spd="slow"/>
-    </mc:Fallback>
-  </mc:AlternateContent>
+  <p:timing>
+    <p:tnLst>
+      <p:par>
+        <p:cTn id="9" dur="indefinite" restart="never" nodeType="tmRoot">
+          <p:childTnLst>
+            <p:seq>
+              <p:cTn id="10" dur="indefinite" nodeType="mainSeq"/>
+              <p:prevCondLst>
+                <p:cond delay="0" evt="onPrev">
+                  <p:tgtEl>
+                    <p:sldTgt/>
+                  </p:tgtEl>
+                </p:cond>
+              </p:prevCondLst>
+              <p:nextCondLst>
+                <p:cond delay="0" evt="onNext">
+                  <p:tgtEl>
+                    <p:sldTgt/>
+                  </p:tgtEl>
+                </p:cond>
+              </p:nextCondLst>
+            </p:seq>
+          </p:childTnLst>
+        </p:cTn>
+      </p:par>
+    </p:tnLst>
+  </p:timing>
 </p:sld>
 </file>
 
@@ -3343,14 +3783,14 @@
       </p:grpSpPr>
       <p:sp>
         <p:nvSpPr>
-          <p:cNvPr id="58" name="CustomShape 1"/>
+          <p:cNvPr id="59" name="CustomShape 1"/>
           <p:cNvSpPr/>
           <p:nvPr/>
         </p:nvSpPr>
         <p:spPr>
           <a:xfrm>
             <a:off x="1619640" y="3352680"/>
-            <a:ext cx="3733560" cy="707400"/>
+            <a:ext cx="3733200" cy="707040"/>
           </a:xfrm>
           <a:prstGeom prst="rect">
             <a:avLst/>
@@ -3367,9 +3807,7 @@
           <a:fontRef idx="minor"/>
         </p:style>
         <p:txBody>
-          <a:bodyPr lIns="90000" rIns="90000" tIns="45000" bIns="45000">
-            <a:noAutofit/>
-          </a:bodyPr>
+          <a:bodyPr lIns="90000" rIns="90000" tIns="45000" bIns="45000"/>
           <a:p>
             <a:pPr algn="r">
               <a:lnSpc>
@@ -3386,7 +3824,7 @@
               </a:rPr>
               <a:t>Thank You</a:t>
             </a:r>
-            <a:endParaRPr b="0" lang="en-GB" sz="4000" spc="-1" strike="noStrike">
+            <a:endParaRPr b="0" lang="en-US" sz="4000" spc="-1" strike="noStrike">
               <a:latin typeface="Arial"/>
             </a:endParaRPr>
           </a:p>
@@ -3394,14 +3832,33 @@
       </p:sp>
     </p:spTree>
   </p:cSld>
-  <mc:AlternateContent>
-    <mc:Choice Requires="p14">
-      <p:transition spd="slow" p14:dur="2000"/>
-    </mc:Choice>
-    <mc:Fallback>
-      <p:transition spd="slow"/>
-    </mc:Fallback>
-  </mc:AlternateContent>
+  <p:timing>
+    <p:tnLst>
+      <p:par>
+        <p:cTn id="11" dur="indefinite" restart="never" nodeType="tmRoot">
+          <p:childTnLst>
+            <p:seq>
+              <p:cTn id="12" dur="indefinite" nodeType="mainSeq"/>
+              <p:prevCondLst>
+                <p:cond delay="0" evt="onPrev">
+                  <p:tgtEl>
+                    <p:sldTgt/>
+                  </p:tgtEl>
+                </p:cond>
+              </p:prevCondLst>
+              <p:nextCondLst>
+                <p:cond delay="0" evt="onNext">
+                  <p:tgtEl>
+                    <p:sldTgt/>
+                  </p:tgtEl>
+                </p:cond>
+              </p:nextCondLst>
+            </p:seq>
+          </p:childTnLst>
+        </p:cTn>
+      </p:par>
+    </p:tnLst>
+  </p:timing>
 </p:sld>
 </file>
 
@@ -3519,21 +3976,18 @@
             </a:schemeClr>
           </a:solidFill>
           <a:prstDash val="solid"/>
-          <a:miter/>
         </a:ln>
         <a:ln w="25400" cap="flat" cmpd="sng" algn="ctr">
           <a:solidFill>
             <a:schemeClr val="phClr"/>
           </a:solidFill>
           <a:prstDash val="solid"/>
-          <a:miter/>
         </a:ln>
         <a:ln w="38100" cap="flat" cmpd="sng" algn="ctr">
           <a:solidFill>
             <a:schemeClr val="phClr"/>
           </a:solidFill>
           <a:prstDash val="solid"/>
-          <a:miter/>
         </a:ln>
       </a:lnStyleLst>
       <a:effectStyleLst>
